--- a/Architecture WG/Requirements/v1.1/Edge Gallery1.1 前端组件归一化方案分析.pptx
+++ b/Architecture WG/Requirements/v1.1/Edge Gallery1.1 前端组件归一化方案分析.pptx
@@ -8,10 +8,10 @@
     <p:sldMasterId id="2147483683" r:id="rId4"/>
   </p:sldMasterIdLst>
   <p:notesMasterIdLst>
-    <p:notesMasterId r:id="rId13"/>
+    <p:notesMasterId r:id="rId14"/>
   </p:notesMasterIdLst>
   <p:handoutMasterIdLst>
-    <p:handoutMasterId r:id="rId14"/>
+    <p:handoutMasterId r:id="rId15"/>
   </p:handoutMasterIdLst>
   <p:sldIdLst>
     <p:sldId id="283" r:id="rId5"/>
@@ -20,8 +20,9 @@
     <p:sldId id="324" r:id="rId8"/>
     <p:sldId id="323" r:id="rId9"/>
     <p:sldId id="320" r:id="rId10"/>
-    <p:sldId id="321" r:id="rId11"/>
-    <p:sldId id="280" r:id="rId12"/>
+    <p:sldId id="325" r:id="rId11"/>
+    <p:sldId id="321" r:id="rId12"/>
+    <p:sldId id="280" r:id="rId13"/>
   </p:sldIdLst>
   <p:sldSz cx="12196763" cy="6858000"/>
   <p:notesSz cx="6858000" cy="9144000"/>
@@ -131,6 +132,7 @@
             <p14:sldId id="324"/>
             <p14:sldId id="323"/>
             <p14:sldId id="320"/>
+            <p14:sldId id="325"/>
             <p14:sldId id="321"/>
             <p14:sldId id="280"/>
           </p14:sldIdLst>
@@ -190,7 +192,7 @@
           <p:cNvPr id="2" name="Header Placeholder 1">
             <a:extLst>
               <a:ext uri="{FF2B5EF4-FFF2-40B4-BE49-F238E27FC236}">
-                <a16:creationId xmlns="" xmlns:a16="http://schemas.microsoft.com/office/drawing/2014/main" id="{8CC198DB-AFBD-584A-8986-364FF2B03F46}"/>
+                <a16:creationId xmlns:a16="http://schemas.microsoft.com/office/drawing/2014/main" xmlns="" id="{8CC198DB-AFBD-584A-8986-364FF2B03F46}"/>
               </a:ext>
             </a:extLst>
           </p:cNvPr>
@@ -227,7 +229,7 @@
           <p:cNvPr id="3" name="Date Placeholder 2">
             <a:extLst>
               <a:ext uri="{FF2B5EF4-FFF2-40B4-BE49-F238E27FC236}">
-                <a16:creationId xmlns="" xmlns:a16="http://schemas.microsoft.com/office/drawing/2014/main" id="{AD01315C-523F-A043-8029-B9921497126E}"/>
+                <a16:creationId xmlns:a16="http://schemas.microsoft.com/office/drawing/2014/main" xmlns="" id="{AD01315C-523F-A043-8029-B9921497126E}"/>
               </a:ext>
             </a:extLst>
           </p:cNvPr>
@@ -257,7 +259,7 @@
           <a:p>
             <a:fld id="{E8CF71B8-DF2A-2E41-BE66-2E18A767DA8A}" type="datetimeFigureOut">
               <a:rPr lang="en-US" smtClean="0"/>
-              <a:t>2/1/2021</a:t>
+              <a:t>2/2/2021</a:t>
             </a:fld>
             <a:endParaRPr lang="en-US"/>
           </a:p>
@@ -268,7 +270,7 @@
           <p:cNvPr id="4" name="Footer Placeholder 3">
             <a:extLst>
               <a:ext uri="{FF2B5EF4-FFF2-40B4-BE49-F238E27FC236}">
-                <a16:creationId xmlns="" xmlns:a16="http://schemas.microsoft.com/office/drawing/2014/main" id="{B9601424-70F4-1643-8E3A-557A0258D6B6}"/>
+                <a16:creationId xmlns:a16="http://schemas.microsoft.com/office/drawing/2014/main" xmlns="" id="{B9601424-70F4-1643-8E3A-557A0258D6B6}"/>
               </a:ext>
             </a:extLst>
           </p:cNvPr>
@@ -305,7 +307,7 @@
           <p:cNvPr id="5" name="Slide Number Placeholder 4">
             <a:extLst>
               <a:ext uri="{FF2B5EF4-FFF2-40B4-BE49-F238E27FC236}">
-                <a16:creationId xmlns="" xmlns:a16="http://schemas.microsoft.com/office/drawing/2014/main" id="{E85BF48A-FF5C-8145-95A7-EE66A87C73DF}"/>
+                <a16:creationId xmlns:a16="http://schemas.microsoft.com/office/drawing/2014/main" xmlns="" id="{E85BF48A-FF5C-8145-95A7-EE66A87C73DF}"/>
               </a:ext>
             </a:extLst>
           </p:cNvPr>
@@ -434,7 +436,7 @@
           <a:p>
             <a:fld id="{0DD60A27-BF12-6744-9E93-932A0E34D8BB}" type="datetimeFigureOut">
               <a:rPr lang="en-US" smtClean="0"/>
-              <a:t>2/1/2021</a:t>
+              <a:t>2/2/2021</a:t>
             </a:fld>
             <a:endParaRPr lang="en-US"/>
           </a:p>
@@ -771,7 +773,7 @@
           <a:p>
             <a:fld id="{F07326F3-4732-B74B-9C70-D0992466E499}" type="slidenum">
               <a:rPr lang="en-US" smtClean="0"/>
-              <a:t>8</a:t>
+              <a:t>9</a:t>
             </a:fld>
             <a:endParaRPr lang="en-US"/>
           </a:p>
@@ -812,7 +814,7 @@
           <p:cNvPr id="10" name="Title 1">
             <a:extLst>
               <a:ext uri="{FF2B5EF4-FFF2-40B4-BE49-F238E27FC236}">
-                <a16:creationId xmlns="" xmlns:a16="http://schemas.microsoft.com/office/drawing/2014/main" id="{8227DEE9-8BE9-0D49-BF96-9E83C5312E00}"/>
+                <a16:creationId xmlns:a16="http://schemas.microsoft.com/office/drawing/2014/main" xmlns="" id="{8227DEE9-8BE9-0D49-BF96-9E83C5312E00}"/>
               </a:ext>
             </a:extLst>
           </p:cNvPr>
@@ -913,7 +915,7 @@
           <p:cNvPr id="3" name="Subtitle 2">
             <a:extLst>
               <a:ext uri="{FF2B5EF4-FFF2-40B4-BE49-F238E27FC236}">
-                <a16:creationId xmlns="" xmlns:a16="http://schemas.microsoft.com/office/drawing/2014/main" id="{D2A38214-5857-FC4E-B923-056100E16BCA}"/>
+                <a16:creationId xmlns:a16="http://schemas.microsoft.com/office/drawing/2014/main" xmlns="" id="{D2A38214-5857-FC4E-B923-056100E16BCA}"/>
               </a:ext>
             </a:extLst>
           </p:cNvPr>
@@ -1001,7 +1003,7 @@
           <p:cNvPr id="7" name="Content Placeholder 2">
             <a:extLst>
               <a:ext uri="{FF2B5EF4-FFF2-40B4-BE49-F238E27FC236}">
-                <a16:creationId xmlns="" xmlns:a16="http://schemas.microsoft.com/office/drawing/2014/main" id="{8A4EAA63-3827-DA40-B921-C01084B9DA87}"/>
+                <a16:creationId xmlns:a16="http://schemas.microsoft.com/office/drawing/2014/main" xmlns="" id="{8A4EAA63-3827-DA40-B921-C01084B9DA87}"/>
               </a:ext>
             </a:extLst>
           </p:cNvPr>
@@ -1225,7 +1227,7 @@
           <p:cNvPr id="4" name="TextBox 3">
             <a:extLst>
               <a:ext uri="{FF2B5EF4-FFF2-40B4-BE49-F238E27FC236}">
-                <a16:creationId xmlns="" xmlns:a16="http://schemas.microsoft.com/office/drawing/2014/main" id="{42AF307D-40F4-EC4C-9108-79E948007529}"/>
+                <a16:creationId xmlns:a16="http://schemas.microsoft.com/office/drawing/2014/main" xmlns="" id="{42AF307D-40F4-EC4C-9108-79E948007529}"/>
               </a:ext>
             </a:extLst>
           </p:cNvPr>
@@ -1265,7 +1267,7 @@
           <p:cNvPr id="5" name="TextBox 3">
             <a:extLst>
               <a:ext uri="{FF2B5EF4-FFF2-40B4-BE49-F238E27FC236}">
-                <a16:creationId xmlns="" xmlns:a16="http://schemas.microsoft.com/office/drawing/2014/main" id="{42AF307D-40F4-EC4C-9108-79E948007529}"/>
+                <a16:creationId xmlns:a16="http://schemas.microsoft.com/office/drawing/2014/main" xmlns="" id="{42AF307D-40F4-EC4C-9108-79E948007529}"/>
               </a:ext>
             </a:extLst>
           </p:cNvPr>
@@ -1401,7 +1403,7 @@
           <p:cNvPr id="3" name="Subtitle 2">
             <a:extLst>
               <a:ext uri="{FF2B5EF4-FFF2-40B4-BE49-F238E27FC236}">
-                <a16:creationId xmlns="" xmlns:a16="http://schemas.microsoft.com/office/drawing/2014/main" id="{D2A38214-5857-FC4E-B923-056100E16BCA}"/>
+                <a16:creationId xmlns:a16="http://schemas.microsoft.com/office/drawing/2014/main" xmlns="" id="{D2A38214-5857-FC4E-B923-056100E16BCA}"/>
               </a:ext>
             </a:extLst>
           </p:cNvPr>
@@ -1489,7 +1491,7 @@
           <p:cNvPr id="7" name="Content Placeholder 2">
             <a:extLst>
               <a:ext uri="{FF2B5EF4-FFF2-40B4-BE49-F238E27FC236}">
-                <a16:creationId xmlns="" xmlns:a16="http://schemas.microsoft.com/office/drawing/2014/main" id="{8A4EAA63-3827-DA40-B921-C01084B9DA87}"/>
+                <a16:creationId xmlns:a16="http://schemas.microsoft.com/office/drawing/2014/main" xmlns="" id="{8A4EAA63-3827-DA40-B921-C01084B9DA87}"/>
               </a:ext>
             </a:extLst>
           </p:cNvPr>
@@ -2582,7 +2584,7 @@
               <p:cNvPr id="44" name="矩形 5">
                 <a:extLst>
                   <a:ext uri="{FF2B5EF4-FFF2-40B4-BE49-F238E27FC236}">
-                    <a16:creationId xmlns="" xmlns:a16="http://schemas.microsoft.com/office/drawing/2014/main" id="{3B0B5EC2-EA55-CC45-A9D0-D5EA5D768C99}"/>
+                    <a16:creationId xmlns:a16="http://schemas.microsoft.com/office/drawing/2014/main" xmlns="" id="{3B0B5EC2-EA55-CC45-A9D0-D5EA5D768C99}"/>
                   </a:ext>
                 </a:extLst>
               </p:cNvPr>
@@ -2699,7 +2701,7 @@
               <p:cNvPr id="45" name="矩形 9">
                 <a:extLst>
                   <a:ext uri="{FF2B5EF4-FFF2-40B4-BE49-F238E27FC236}">
-                    <a16:creationId xmlns="" xmlns:a16="http://schemas.microsoft.com/office/drawing/2014/main" id="{992224C5-04A6-C041-B257-13137945DBB8}"/>
+                    <a16:creationId xmlns:a16="http://schemas.microsoft.com/office/drawing/2014/main" xmlns="" id="{992224C5-04A6-C041-B257-13137945DBB8}"/>
                   </a:ext>
                 </a:extLst>
               </p:cNvPr>
@@ -2816,7 +2818,7 @@
               <p:cNvPr id="46" name="文本框 31">
                 <a:extLst>
                   <a:ext uri="{FF2B5EF4-FFF2-40B4-BE49-F238E27FC236}">
-                    <a16:creationId xmlns="" xmlns:a16="http://schemas.microsoft.com/office/drawing/2014/main" id="{58918196-0639-EE4B-AFC2-315BE04587B9}"/>
+                    <a16:creationId xmlns:a16="http://schemas.microsoft.com/office/drawing/2014/main" xmlns="" id="{58918196-0639-EE4B-AFC2-315BE04587B9}"/>
                   </a:ext>
                 </a:extLst>
               </p:cNvPr>
@@ -2884,7 +2886,7 @@
               <p:cNvPr id="28" name="矩形 12">
                 <a:extLst>
                   <a:ext uri="{FF2B5EF4-FFF2-40B4-BE49-F238E27FC236}">
-                    <a16:creationId xmlns="" xmlns:a16="http://schemas.microsoft.com/office/drawing/2014/main" id="{DCA8B73C-0B87-284F-805F-752EBF20B768}"/>
+                    <a16:creationId xmlns:a16="http://schemas.microsoft.com/office/drawing/2014/main" xmlns="" id="{DCA8B73C-0B87-284F-805F-752EBF20B768}"/>
                   </a:ext>
                 </a:extLst>
               </p:cNvPr>
@@ -3004,7 +3006,7 @@
               <p:cNvPr id="29" name="矩形 13">
                 <a:extLst>
                   <a:ext uri="{FF2B5EF4-FFF2-40B4-BE49-F238E27FC236}">
-                    <a16:creationId xmlns="" xmlns:a16="http://schemas.microsoft.com/office/drawing/2014/main" id="{138A39A8-BB4E-CD4E-9201-F1785C874F92}"/>
+                    <a16:creationId xmlns:a16="http://schemas.microsoft.com/office/drawing/2014/main" xmlns="" id="{138A39A8-BB4E-CD4E-9201-F1785C874F92}"/>
                   </a:ext>
                 </a:extLst>
               </p:cNvPr>
@@ -3122,7 +3124,7 @@
               <p:cNvPr id="30" name="文本框 15">
                 <a:extLst>
                   <a:ext uri="{FF2B5EF4-FFF2-40B4-BE49-F238E27FC236}">
-                    <a16:creationId xmlns="" xmlns:a16="http://schemas.microsoft.com/office/drawing/2014/main" id="{8F53C07A-1022-C740-8F8D-97538E174D38}"/>
+                    <a16:creationId xmlns:a16="http://schemas.microsoft.com/office/drawing/2014/main" xmlns="" id="{8F53C07A-1022-C740-8F8D-97538E174D38}"/>
                   </a:ext>
                 </a:extLst>
               </p:cNvPr>
@@ -3168,7 +3170,7 @@
               <p:cNvPr id="31" name="矩形 16">
                 <a:extLst>
                   <a:ext uri="{FF2B5EF4-FFF2-40B4-BE49-F238E27FC236}">
-                    <a16:creationId xmlns="" xmlns:a16="http://schemas.microsoft.com/office/drawing/2014/main" id="{306A7598-C00D-994F-82DA-B39F3C2E0AAD}"/>
+                    <a16:creationId xmlns:a16="http://schemas.microsoft.com/office/drawing/2014/main" xmlns="" id="{306A7598-C00D-994F-82DA-B39F3C2E0AAD}"/>
                   </a:ext>
                 </a:extLst>
               </p:cNvPr>
@@ -3286,7 +3288,7 @@
               <p:cNvPr id="32" name="矩形 17">
                 <a:extLst>
                   <a:ext uri="{FF2B5EF4-FFF2-40B4-BE49-F238E27FC236}">
-                    <a16:creationId xmlns="" xmlns:a16="http://schemas.microsoft.com/office/drawing/2014/main" id="{C1423292-FF2F-A74C-943E-1C3C47534098}"/>
+                    <a16:creationId xmlns:a16="http://schemas.microsoft.com/office/drawing/2014/main" xmlns="" id="{C1423292-FF2F-A74C-943E-1C3C47534098}"/>
                   </a:ext>
                 </a:extLst>
               </p:cNvPr>
@@ -3404,7 +3406,7 @@
               <p:cNvPr id="33" name="矩形 18">
                 <a:extLst>
                   <a:ext uri="{FF2B5EF4-FFF2-40B4-BE49-F238E27FC236}">
-                    <a16:creationId xmlns="" xmlns:a16="http://schemas.microsoft.com/office/drawing/2014/main" id="{2A29AF15-F5C4-A842-A63B-5DBA549CB92F}"/>
+                    <a16:creationId xmlns:a16="http://schemas.microsoft.com/office/drawing/2014/main" xmlns="" id="{2A29AF15-F5C4-A842-A63B-5DBA549CB92F}"/>
                   </a:ext>
                 </a:extLst>
               </p:cNvPr>
@@ -3500,7 +3502,7 @@
               <p:cNvPr id="34" name="矩形 19">
                 <a:extLst>
                   <a:ext uri="{FF2B5EF4-FFF2-40B4-BE49-F238E27FC236}">
-                    <a16:creationId xmlns="" xmlns:a16="http://schemas.microsoft.com/office/drawing/2014/main" id="{E9EA970A-4D36-BC41-B8BE-40DF553320E7}"/>
+                    <a16:creationId xmlns:a16="http://schemas.microsoft.com/office/drawing/2014/main" xmlns="" id="{E9EA970A-4D36-BC41-B8BE-40DF553320E7}"/>
                   </a:ext>
                 </a:extLst>
               </p:cNvPr>
@@ -3596,7 +3598,7 @@
               <p:cNvPr id="35" name="矩形 22">
                 <a:extLst>
                   <a:ext uri="{FF2B5EF4-FFF2-40B4-BE49-F238E27FC236}">
-                    <a16:creationId xmlns="" xmlns:a16="http://schemas.microsoft.com/office/drawing/2014/main" id="{14EE21FB-1D92-0241-ABA5-5E9A6AEE0DC8}"/>
+                    <a16:creationId xmlns:a16="http://schemas.microsoft.com/office/drawing/2014/main" xmlns="" id="{14EE21FB-1D92-0241-ABA5-5E9A6AEE0DC8}"/>
                   </a:ext>
                 </a:extLst>
               </p:cNvPr>
@@ -3714,7 +3716,7 @@
               <p:cNvPr id="36" name="矩形 12">
                 <a:extLst>
                   <a:ext uri="{FF2B5EF4-FFF2-40B4-BE49-F238E27FC236}">
-                    <a16:creationId xmlns="" xmlns:a16="http://schemas.microsoft.com/office/drawing/2014/main" id="{883734A3-2645-434A-9DCC-1416B6C687CC}"/>
+                    <a16:creationId xmlns:a16="http://schemas.microsoft.com/office/drawing/2014/main" xmlns="" id="{883734A3-2645-434A-9DCC-1416B6C687CC}"/>
                   </a:ext>
                 </a:extLst>
               </p:cNvPr>
@@ -3832,7 +3834,7 @@
               <p:cNvPr id="37" name="矩形 13">
                 <a:extLst>
                   <a:ext uri="{FF2B5EF4-FFF2-40B4-BE49-F238E27FC236}">
-                    <a16:creationId xmlns="" xmlns:a16="http://schemas.microsoft.com/office/drawing/2014/main" id="{1FF13552-FB3D-134A-A80A-6CFB35DFE1A1}"/>
+                    <a16:creationId xmlns:a16="http://schemas.microsoft.com/office/drawing/2014/main" xmlns="" id="{1FF13552-FB3D-134A-A80A-6CFB35DFE1A1}"/>
                   </a:ext>
                 </a:extLst>
               </p:cNvPr>
@@ -3952,7 +3954,7 @@
               <p:cNvPr id="38" name="矩形 16">
                 <a:extLst>
                   <a:ext uri="{FF2B5EF4-FFF2-40B4-BE49-F238E27FC236}">
-                    <a16:creationId xmlns="" xmlns:a16="http://schemas.microsoft.com/office/drawing/2014/main" id="{0A96471B-CB12-1443-B01F-C14C9112C149}"/>
+                    <a16:creationId xmlns:a16="http://schemas.microsoft.com/office/drawing/2014/main" xmlns="" id="{0A96471B-CB12-1443-B01F-C14C9112C149}"/>
                   </a:ext>
                 </a:extLst>
               </p:cNvPr>
@@ -4070,7 +4072,7 @@
               <p:cNvPr id="39" name="矩形 17">
                 <a:extLst>
                   <a:ext uri="{FF2B5EF4-FFF2-40B4-BE49-F238E27FC236}">
-                    <a16:creationId xmlns="" xmlns:a16="http://schemas.microsoft.com/office/drawing/2014/main" id="{61890D59-CF8B-1449-A836-3A304EC9A907}"/>
+                    <a16:creationId xmlns:a16="http://schemas.microsoft.com/office/drawing/2014/main" xmlns="" id="{61890D59-CF8B-1449-A836-3A304EC9A907}"/>
                   </a:ext>
                 </a:extLst>
               </p:cNvPr>
@@ -4188,7 +4190,7 @@
               <p:cNvPr id="40" name="矩形 18">
                 <a:extLst>
                   <a:ext uri="{FF2B5EF4-FFF2-40B4-BE49-F238E27FC236}">
-                    <a16:creationId xmlns="" xmlns:a16="http://schemas.microsoft.com/office/drawing/2014/main" id="{0466A1E1-E7C7-FD49-9880-9E44BED19FF5}"/>
+                    <a16:creationId xmlns:a16="http://schemas.microsoft.com/office/drawing/2014/main" xmlns="" id="{0466A1E1-E7C7-FD49-9880-9E44BED19FF5}"/>
                   </a:ext>
                 </a:extLst>
               </p:cNvPr>
@@ -4306,7 +4308,7 @@
               <p:cNvPr id="42" name="矩形 19">
                 <a:extLst>
                   <a:ext uri="{FF2B5EF4-FFF2-40B4-BE49-F238E27FC236}">
-                    <a16:creationId xmlns="" xmlns:a16="http://schemas.microsoft.com/office/drawing/2014/main" id="{B21AD6AC-1275-0142-A9EA-D77B26CB40EF}"/>
+                    <a16:creationId xmlns:a16="http://schemas.microsoft.com/office/drawing/2014/main" xmlns="" id="{B21AD6AC-1275-0142-A9EA-D77B26CB40EF}"/>
                   </a:ext>
                 </a:extLst>
               </p:cNvPr>
@@ -4424,7 +4426,7 @@
               <p:cNvPr id="43" name="矩形 22">
                 <a:extLst>
                   <a:ext uri="{FF2B5EF4-FFF2-40B4-BE49-F238E27FC236}">
-                    <a16:creationId xmlns="" xmlns:a16="http://schemas.microsoft.com/office/drawing/2014/main" id="{238BAC2A-AE09-A84D-875D-8472236D6610}"/>
+                    <a16:creationId xmlns:a16="http://schemas.microsoft.com/office/drawing/2014/main" xmlns="" id="{238BAC2A-AE09-A84D-875D-8472236D6610}"/>
                   </a:ext>
                 </a:extLst>
               </p:cNvPr>
@@ -4966,7 +4968,7 @@
           <p:cNvPr id="2" name="Title Placeholder 1">
             <a:extLst>
               <a:ext uri="{FF2B5EF4-FFF2-40B4-BE49-F238E27FC236}">
-                <a16:creationId xmlns="" xmlns:a16="http://schemas.microsoft.com/office/drawing/2014/main" id="{145F1158-B1AA-8F41-AF0A-FEA0EC1874AC}"/>
+                <a16:creationId xmlns:a16="http://schemas.microsoft.com/office/drawing/2014/main" xmlns="" id="{145F1158-B1AA-8F41-AF0A-FEA0EC1874AC}"/>
               </a:ext>
             </a:extLst>
           </p:cNvPr>
@@ -6116,7 +6118,7 @@
           <p:cNvPr id="2" name="Subtitle 1">
             <a:extLst>
               <a:ext uri="{FF2B5EF4-FFF2-40B4-BE49-F238E27FC236}">
-                <a16:creationId xmlns="" xmlns:a16="http://schemas.microsoft.com/office/drawing/2014/main" id="{C6ADB1D9-336D-594D-9418-4BC486843D21}"/>
+                <a16:creationId xmlns:a16="http://schemas.microsoft.com/office/drawing/2014/main" xmlns="" id="{C6ADB1D9-336D-594D-9418-4BC486843D21}"/>
               </a:ext>
             </a:extLst>
           </p:cNvPr>
@@ -6158,7 +6160,7 @@
           <p:cNvPr id="8" name="TextBox 7">
             <a:extLst>
               <a:ext uri="{FF2B5EF4-FFF2-40B4-BE49-F238E27FC236}">
-                <a16:creationId xmlns="" xmlns:a16="http://schemas.microsoft.com/office/drawing/2014/main" id="{D8536F3D-D0C8-B447-A64B-59D377EA5296}"/>
+                <a16:creationId xmlns:a16="http://schemas.microsoft.com/office/drawing/2014/main" xmlns="" id="{D8536F3D-D0C8-B447-A64B-59D377EA5296}"/>
               </a:ext>
             </a:extLst>
           </p:cNvPr>
@@ -8587,7 +8589,7 @@
           <p:cNvPr id="2" name="Subtitle 1">
             <a:extLst>
               <a:ext uri="{FF2B5EF4-FFF2-40B4-BE49-F238E27FC236}">
-                <a16:creationId xmlns="" xmlns:a16="http://schemas.microsoft.com/office/drawing/2014/main" id="{C6ADB1D9-336D-594D-9418-4BC486843D21}"/>
+                <a16:creationId xmlns:a16="http://schemas.microsoft.com/office/drawing/2014/main" xmlns="" id="{C6ADB1D9-336D-594D-9418-4BC486843D21}"/>
               </a:ext>
             </a:extLst>
           </p:cNvPr>
@@ -8637,7 +8639,7 @@
           <p:cNvPr id="8" name="TextBox 7">
             <a:extLst>
               <a:ext uri="{FF2B5EF4-FFF2-40B4-BE49-F238E27FC236}">
-                <a16:creationId xmlns="" xmlns:a16="http://schemas.microsoft.com/office/drawing/2014/main" id="{D8536F3D-D0C8-B447-A64B-59D377EA5296}"/>
+                <a16:creationId xmlns:a16="http://schemas.microsoft.com/office/drawing/2014/main" xmlns="" id="{D8536F3D-D0C8-B447-A64B-59D377EA5296}"/>
               </a:ext>
             </a:extLst>
           </p:cNvPr>
@@ -8763,7 +8765,7 @@
           <p:cNvPr id="2" name="Subtitle 1">
             <a:extLst>
               <a:ext uri="{FF2B5EF4-FFF2-40B4-BE49-F238E27FC236}">
-                <a16:creationId xmlns="" xmlns:a16="http://schemas.microsoft.com/office/drawing/2014/main" id="{C6ADB1D9-336D-594D-9418-4BC486843D21}"/>
+                <a16:creationId xmlns:a16="http://schemas.microsoft.com/office/drawing/2014/main" xmlns="" id="{C6ADB1D9-336D-594D-9418-4BC486843D21}"/>
               </a:ext>
             </a:extLst>
           </p:cNvPr>
@@ -8813,7 +8815,7 @@
           <p:cNvPr id="8" name="TextBox 7">
             <a:extLst>
               <a:ext uri="{FF2B5EF4-FFF2-40B4-BE49-F238E27FC236}">
-                <a16:creationId xmlns="" xmlns:a16="http://schemas.microsoft.com/office/drawing/2014/main" id="{D8536F3D-D0C8-B447-A64B-59D377EA5296}"/>
+                <a16:creationId xmlns:a16="http://schemas.microsoft.com/office/drawing/2014/main" xmlns="" id="{D8536F3D-D0C8-B447-A64B-59D377EA5296}"/>
               </a:ext>
             </a:extLst>
           </p:cNvPr>
@@ -9221,7 +9223,7 @@
           <p:cNvPr id="2" name="Subtitle 1">
             <a:extLst>
               <a:ext uri="{FF2B5EF4-FFF2-40B4-BE49-F238E27FC236}">
-                <a16:creationId xmlns="" xmlns:a16="http://schemas.microsoft.com/office/drawing/2014/main" id="{C6ADB1D9-336D-594D-9418-4BC486843D21}"/>
+                <a16:creationId xmlns:a16="http://schemas.microsoft.com/office/drawing/2014/main" xmlns="" id="{C6ADB1D9-336D-594D-9418-4BC486843D21}"/>
               </a:ext>
             </a:extLst>
           </p:cNvPr>
@@ -9271,7 +9273,7 @@
           <p:cNvPr id="8" name="TextBox 7">
             <a:extLst>
               <a:ext uri="{FF2B5EF4-FFF2-40B4-BE49-F238E27FC236}">
-                <a16:creationId xmlns="" xmlns:a16="http://schemas.microsoft.com/office/drawing/2014/main" id="{D8536F3D-D0C8-B447-A64B-59D377EA5296}"/>
+                <a16:creationId xmlns:a16="http://schemas.microsoft.com/office/drawing/2014/main" xmlns="" id="{D8536F3D-D0C8-B447-A64B-59D377EA5296}"/>
               </a:ext>
             </a:extLst>
           </p:cNvPr>
@@ -10266,7 +10268,7 @@
           <p:cNvPr id="2" name="Subtitle 1">
             <a:extLst>
               <a:ext uri="{FF2B5EF4-FFF2-40B4-BE49-F238E27FC236}">
-                <a16:creationId xmlns="" xmlns:a16="http://schemas.microsoft.com/office/drawing/2014/main" id="{C6ADB1D9-336D-594D-9418-4BC486843D21}"/>
+                <a16:creationId xmlns:a16="http://schemas.microsoft.com/office/drawing/2014/main" xmlns="" id="{C6ADB1D9-336D-594D-9418-4BC486843D21}"/>
               </a:ext>
             </a:extLst>
           </p:cNvPr>
@@ -10308,7 +10310,7 @@
           <p:cNvPr id="8" name="TextBox 7">
             <a:extLst>
               <a:ext uri="{FF2B5EF4-FFF2-40B4-BE49-F238E27FC236}">
-                <a16:creationId xmlns="" xmlns:a16="http://schemas.microsoft.com/office/drawing/2014/main" id="{D8536F3D-D0C8-B447-A64B-59D377EA5296}"/>
+                <a16:creationId xmlns:a16="http://schemas.microsoft.com/office/drawing/2014/main" xmlns="" id="{D8536F3D-D0C8-B447-A64B-59D377EA5296}"/>
               </a:ext>
             </a:extLst>
           </p:cNvPr>
@@ -11204,7 +11206,2076 @@
           <p:cNvPr id="2" name="Subtitle 1">
             <a:extLst>
               <a:ext uri="{FF2B5EF4-FFF2-40B4-BE49-F238E27FC236}">
-                <a16:creationId xmlns="" xmlns:a16="http://schemas.microsoft.com/office/drawing/2014/main" id="{C6ADB1D9-336D-594D-9418-4BC486843D21}"/>
+                <a16:creationId xmlns:a16="http://schemas.microsoft.com/office/drawing/2014/main" xmlns="" id="{C6ADB1D9-336D-594D-9418-4BC486843D21}"/>
+              </a:ext>
+            </a:extLst>
+          </p:cNvPr>
+          <p:cNvSpPr>
+            <a:spLocks noGrp="1"/>
+          </p:cNvSpPr>
+          <p:nvPr>
+            <p:ph type="subTitle" idx="1"/>
+          </p:nvPr>
+        </p:nvSpPr>
+        <p:spPr>
+          <a:xfrm>
+            <a:off x="729175" y="169851"/>
+            <a:ext cx="10740640" cy="572566"/>
+          </a:xfrm>
+        </p:spPr>
+        <p:txBody>
+          <a:bodyPr/>
+          <a:lstStyle/>
+          <a:p>
+            <a:r>
+              <a:rPr lang="zh-CN" altLang="en-US" dirty="0" smtClean="0">
+                <a:solidFill>
+                  <a:schemeClr val="tx1"/>
+                </a:solidFill>
+              </a:rPr>
+              <a:t>组件</a:t>
+            </a:r>
+            <a:r>
+              <a:rPr lang="en-US" altLang="zh-CN" dirty="0" smtClean="0">
+                <a:solidFill>
+                  <a:schemeClr val="tx1"/>
+                </a:solidFill>
+              </a:rPr>
+              <a:t>owner</a:t>
+            </a:r>
+            <a:r>
+              <a:rPr lang="zh-CN" altLang="en-US" dirty="0" smtClean="0">
+                <a:solidFill>
+                  <a:schemeClr val="tx1"/>
+                </a:solidFill>
+              </a:rPr>
+              <a:t>划分</a:t>
+            </a:r>
+            <a:endParaRPr lang="en-US" dirty="0">
+              <a:solidFill>
+                <a:schemeClr val="tx1"/>
+              </a:solidFill>
+            </a:endParaRPr>
+          </a:p>
+        </p:txBody>
+      </p:sp>
+      <p:sp>
+        <p:nvSpPr>
+          <p:cNvPr id="8" name="TextBox 7">
+            <a:extLst>
+              <a:ext uri="{FF2B5EF4-FFF2-40B4-BE49-F238E27FC236}">
+                <a16:creationId xmlns:a16="http://schemas.microsoft.com/office/drawing/2014/main" xmlns="" id="{D8536F3D-D0C8-B447-A64B-59D377EA5296}"/>
+              </a:ext>
+            </a:extLst>
+          </p:cNvPr>
+          <p:cNvSpPr txBox="1"/>
+          <p:nvPr/>
+        </p:nvSpPr>
+        <p:spPr>
+          <a:xfrm>
+            <a:off x="5660391" y="-1188720"/>
+            <a:ext cx="184731" cy="528350"/>
+          </a:xfrm>
+          <a:prstGeom prst="rect">
+            <a:avLst/>
+          </a:prstGeom>
+          <a:noFill/>
+        </p:spPr>
+        <p:txBody>
+          <a:bodyPr wrap="none" rtlCol="0">
+            <a:spAutoFit/>
+          </a:bodyPr>
+          <a:lstStyle/>
+          <a:p>
+            <a:pPr>
+              <a:lnSpc>
+                <a:spcPts val="3440"/>
+              </a:lnSpc>
+            </a:pPr>
+            <a:endParaRPr lang="en-US" sz="3200" dirty="0">
+              <a:latin typeface="Microsoft YaHei" panose="020B0503020204020204" pitchFamily="34" charset="-122"/>
+              <a:ea typeface="Microsoft YaHei" panose="020B0503020204020204" pitchFamily="34" charset="-122"/>
+            </a:endParaRPr>
+          </a:p>
+        </p:txBody>
+      </p:sp>
+      <p:graphicFrame>
+        <p:nvGraphicFramePr>
+          <p:cNvPr id="5" name="表格 4"/>
+          <p:cNvGraphicFramePr>
+            <a:graphicFrameLocks noGrp="1"/>
+          </p:cNvGraphicFramePr>
+          <p:nvPr>
+            <p:extLst>
+              <p:ext uri="{D42A27DB-BD31-4B8C-83A1-F6EECF244321}">
+                <p14:modId xmlns:p14="http://schemas.microsoft.com/office/powerpoint/2010/main" val="1274410862"/>
+              </p:ext>
+            </p:extLst>
+          </p:nvPr>
+        </p:nvGraphicFramePr>
+        <p:xfrm>
+          <a:off x="830142" y="1331592"/>
+          <a:ext cx="8618658" cy="4866274"/>
+        </p:xfrm>
+        <a:graphic>
+          <a:graphicData uri="http://schemas.openxmlformats.org/drawingml/2006/table">
+            <a:tbl>
+              <a:tblPr firstRow="1" bandRow="1">
+                <a:tableStyleId>{912C8C85-51F0-491E-9774-3900AFEF0FD7}</a:tableStyleId>
+              </a:tblPr>
+              <a:tblGrid>
+                <a:gridCol w="5828362"/>
+                <a:gridCol w="2790296"/>
+              </a:tblGrid>
+              <a:tr h="330226">
+                <a:tc>
+                  <a:txBody>
+                    <a:bodyPr/>
+                    <a:lstStyle/>
+                    <a:p>
+                      <a:pPr algn="ctr"/>
+                      <a:r>
+                        <a:rPr lang="zh-CN" altLang="en-US" sz="1600" dirty="0" smtClean="0">
+                          <a:solidFill>
+                            <a:schemeClr val="tx1"/>
+                          </a:solidFill>
+                        </a:rPr>
+                        <a:t>组件名称</a:t>
+                      </a:r>
+                      <a:endParaRPr lang="zh-CN" altLang="en-US" sz="1600" dirty="0">
+                        <a:solidFill>
+                          <a:schemeClr val="tx1"/>
+                        </a:solidFill>
+                      </a:endParaRPr>
+                    </a:p>
+                  </a:txBody>
+                  <a:tcPr>
+                    <a:lnL w="12700" cap="flat" cmpd="sng" algn="ctr">
+                      <a:solidFill>
+                        <a:schemeClr val="tx1"/>
+                      </a:solidFill>
+                      <a:prstDash val="solid"/>
+                      <a:round/>
+                      <a:headEnd type="none" w="med" len="med"/>
+                      <a:tailEnd type="none" w="med" len="med"/>
+                    </a:lnL>
+                    <a:lnR w="12700" cap="flat" cmpd="sng" algn="ctr">
+                      <a:solidFill>
+                        <a:schemeClr val="tx1"/>
+                      </a:solidFill>
+                      <a:prstDash val="solid"/>
+                      <a:round/>
+                      <a:headEnd type="none" w="med" len="med"/>
+                      <a:tailEnd type="none" w="med" len="med"/>
+                    </a:lnR>
+                    <a:lnT w="12700" cap="flat" cmpd="sng" algn="ctr">
+                      <a:solidFill>
+                        <a:schemeClr val="tx1"/>
+                      </a:solidFill>
+                      <a:prstDash val="solid"/>
+                      <a:round/>
+                      <a:headEnd type="none" w="med" len="med"/>
+                      <a:tailEnd type="none" w="med" len="med"/>
+                    </a:lnT>
+                    <a:lnB w="12700" cap="flat" cmpd="sng" algn="ctr">
+                      <a:solidFill>
+                        <a:schemeClr val="tx1"/>
+                      </a:solidFill>
+                      <a:prstDash val="solid"/>
+                      <a:round/>
+                      <a:headEnd type="none" w="med" len="med"/>
+                      <a:tailEnd type="none" w="med" len="med"/>
+                    </a:lnB>
+                    <a:solidFill>
+                      <a:srgbClr val="A9BEE9"/>
+                    </a:solidFill>
+                  </a:tcPr>
+                </a:tc>
+                <a:tc>
+                  <a:txBody>
+                    <a:bodyPr/>
+                    <a:lstStyle/>
+                    <a:p>
+                      <a:pPr algn="ctr"/>
+                      <a:r>
+                        <a:rPr lang="zh-CN" altLang="en-US" sz="1600" dirty="0" smtClean="0">
+                          <a:solidFill>
+                            <a:schemeClr val="tx1"/>
+                          </a:solidFill>
+                        </a:rPr>
+                        <a:t>责任人</a:t>
+                      </a:r>
+                      <a:endParaRPr lang="zh-CN" altLang="en-US" sz="1600" dirty="0">
+                        <a:solidFill>
+                          <a:schemeClr val="tx1"/>
+                        </a:solidFill>
+                      </a:endParaRPr>
+                    </a:p>
+                  </a:txBody>
+                  <a:tcPr>
+                    <a:lnL w="12700" cap="flat" cmpd="sng" algn="ctr">
+                      <a:solidFill>
+                        <a:schemeClr val="tx1"/>
+                      </a:solidFill>
+                      <a:prstDash val="solid"/>
+                      <a:round/>
+                      <a:headEnd type="none" w="med" len="med"/>
+                      <a:tailEnd type="none" w="med" len="med"/>
+                    </a:lnL>
+                    <a:lnR w="12700" cap="flat" cmpd="sng" algn="ctr">
+                      <a:solidFill>
+                        <a:schemeClr val="tx1"/>
+                      </a:solidFill>
+                      <a:prstDash val="solid"/>
+                      <a:round/>
+                      <a:headEnd type="none" w="med" len="med"/>
+                      <a:tailEnd type="none" w="med" len="med"/>
+                    </a:lnR>
+                    <a:lnT w="12700" cap="flat" cmpd="sng" algn="ctr">
+                      <a:solidFill>
+                        <a:schemeClr val="tx1"/>
+                      </a:solidFill>
+                      <a:prstDash val="solid"/>
+                      <a:round/>
+                      <a:headEnd type="none" w="med" len="med"/>
+                      <a:tailEnd type="none" w="med" len="med"/>
+                    </a:lnT>
+                    <a:lnB w="12700" cap="flat" cmpd="sng" algn="ctr">
+                      <a:solidFill>
+                        <a:schemeClr val="tx1"/>
+                      </a:solidFill>
+                      <a:prstDash val="solid"/>
+                      <a:round/>
+                      <a:headEnd type="none" w="med" len="med"/>
+                      <a:tailEnd type="none" w="med" len="med"/>
+                    </a:lnB>
+                    <a:solidFill>
+                      <a:srgbClr val="A9BEE9"/>
+                    </a:solidFill>
+                  </a:tcPr>
+                </a:tc>
+              </a:tr>
+              <a:tr h="376303">
+                <a:tc>
+                  <a:txBody>
+                    <a:bodyPr/>
+                    <a:lstStyle/>
+                    <a:p>
+                      <a:r>
+                        <a:rPr lang="zh-CN" altLang="en-US" sz="1400" dirty="0" smtClean="0">
+                          <a:solidFill>
+                            <a:schemeClr val="tx1"/>
+                          </a:solidFill>
+                          <a:latin typeface="黑体" panose="02010609060101010101" pitchFamily="49" charset="-122"/>
+                          <a:ea typeface="黑体" panose="02010609060101010101" pitchFamily="49" charset="-122"/>
+                        </a:rPr>
+                        <a:t>导航栏</a:t>
+                      </a:r>
+                      <a:endParaRPr lang="zh-CN" altLang="en-US" sz="1400" dirty="0">
+                        <a:solidFill>
+                          <a:schemeClr val="tx1"/>
+                        </a:solidFill>
+                        <a:latin typeface="黑体" panose="02010609060101010101" pitchFamily="49" charset="-122"/>
+                        <a:ea typeface="黑体" panose="02010609060101010101" pitchFamily="49" charset="-122"/>
+                      </a:endParaRPr>
+                    </a:p>
+                  </a:txBody>
+                  <a:tcPr>
+                    <a:lnL w="12700" cap="flat" cmpd="sng" algn="ctr">
+                      <a:solidFill>
+                        <a:schemeClr val="tx1"/>
+                      </a:solidFill>
+                      <a:prstDash val="solid"/>
+                      <a:round/>
+                      <a:headEnd type="none" w="med" len="med"/>
+                      <a:tailEnd type="none" w="med" len="med"/>
+                    </a:lnL>
+                    <a:lnR w="12700" cap="flat" cmpd="sng" algn="ctr">
+                      <a:solidFill>
+                        <a:schemeClr val="tx1"/>
+                      </a:solidFill>
+                      <a:prstDash val="solid"/>
+                      <a:round/>
+                      <a:headEnd type="none" w="med" len="med"/>
+                      <a:tailEnd type="none" w="med" len="med"/>
+                    </a:lnR>
+                    <a:lnT w="12700" cap="flat" cmpd="sng" algn="ctr">
+                      <a:solidFill>
+                        <a:schemeClr val="tx1"/>
+                      </a:solidFill>
+                      <a:prstDash val="solid"/>
+                      <a:round/>
+                      <a:headEnd type="none" w="med" len="med"/>
+                      <a:tailEnd type="none" w="med" len="med"/>
+                    </a:lnT>
+                    <a:lnB w="12700" cap="flat" cmpd="sng" algn="ctr">
+                      <a:solidFill>
+                        <a:schemeClr val="tx1"/>
+                      </a:solidFill>
+                      <a:prstDash val="solid"/>
+                      <a:round/>
+                      <a:headEnd type="none" w="med" len="med"/>
+                      <a:tailEnd type="none" w="med" len="med"/>
+                    </a:lnB>
+                  </a:tcPr>
+                </a:tc>
+                <a:tc>
+                  <a:txBody>
+                    <a:bodyPr/>
+                    <a:lstStyle/>
+                    <a:p>
+                      <a:r>
+                        <a:rPr lang="zh-CN" altLang="en-US" sz="1400" dirty="0" smtClean="0">
+                          <a:solidFill>
+                            <a:schemeClr val="tx1"/>
+                          </a:solidFill>
+                          <a:latin typeface="黑体" panose="02010609060101010101" pitchFamily="49" charset="-122"/>
+                          <a:ea typeface="黑体" panose="02010609060101010101" pitchFamily="49" charset="-122"/>
+                        </a:rPr>
+                        <a:t>杨阳</a:t>
+                      </a:r>
+                      <a:endParaRPr lang="zh-CN" altLang="en-US" sz="1400" dirty="0">
+                        <a:solidFill>
+                          <a:schemeClr val="tx1"/>
+                        </a:solidFill>
+                        <a:latin typeface="黑体" panose="02010609060101010101" pitchFamily="49" charset="-122"/>
+                        <a:ea typeface="黑体" panose="02010609060101010101" pitchFamily="49" charset="-122"/>
+                      </a:endParaRPr>
+                    </a:p>
+                  </a:txBody>
+                  <a:tcPr>
+                    <a:lnL w="12700" cap="flat" cmpd="sng" algn="ctr">
+                      <a:solidFill>
+                        <a:schemeClr val="tx1"/>
+                      </a:solidFill>
+                      <a:prstDash val="solid"/>
+                      <a:round/>
+                      <a:headEnd type="none" w="med" len="med"/>
+                      <a:tailEnd type="none" w="med" len="med"/>
+                    </a:lnL>
+                    <a:lnR w="12700" cap="flat" cmpd="sng" algn="ctr">
+                      <a:solidFill>
+                        <a:schemeClr val="tx1"/>
+                      </a:solidFill>
+                      <a:prstDash val="solid"/>
+                      <a:round/>
+                      <a:headEnd type="none" w="med" len="med"/>
+                      <a:tailEnd type="none" w="med" len="med"/>
+                    </a:lnR>
+                    <a:lnT w="12700" cap="flat" cmpd="sng" algn="ctr">
+                      <a:solidFill>
+                        <a:schemeClr val="tx1"/>
+                      </a:solidFill>
+                      <a:prstDash val="solid"/>
+                      <a:round/>
+                      <a:headEnd type="none" w="med" len="med"/>
+                      <a:tailEnd type="none" w="med" len="med"/>
+                    </a:lnT>
+                    <a:lnB w="12700" cap="flat" cmpd="sng" algn="ctr">
+                      <a:solidFill>
+                        <a:schemeClr val="tx1"/>
+                      </a:solidFill>
+                      <a:prstDash val="solid"/>
+                      <a:round/>
+                      <a:headEnd type="none" w="med" len="med"/>
+                      <a:tailEnd type="none" w="med" len="med"/>
+                    </a:lnB>
+                  </a:tcPr>
+                </a:tc>
+              </a:tr>
+              <a:tr h="350240">
+                <a:tc>
+                  <a:txBody>
+                    <a:bodyPr/>
+                    <a:lstStyle/>
+                    <a:p>
+                      <a:r>
+                        <a:rPr lang="zh-CN" altLang="en-US" sz="1400" dirty="0" smtClean="0">
+                          <a:solidFill>
+                            <a:schemeClr val="tx1"/>
+                          </a:solidFill>
+                          <a:latin typeface="黑体" panose="02010609060101010101" pitchFamily="49" charset="-122"/>
+                          <a:ea typeface="黑体" panose="02010609060101010101" pitchFamily="49" charset="-122"/>
+                        </a:rPr>
+                        <a:t>面包屑</a:t>
+                      </a:r>
+                      <a:endParaRPr lang="zh-CN" altLang="en-US" sz="1400" dirty="0">
+                        <a:solidFill>
+                          <a:schemeClr val="tx1"/>
+                        </a:solidFill>
+                        <a:latin typeface="黑体" panose="02010609060101010101" pitchFamily="49" charset="-122"/>
+                        <a:ea typeface="黑体" panose="02010609060101010101" pitchFamily="49" charset="-122"/>
+                      </a:endParaRPr>
+                    </a:p>
+                  </a:txBody>
+                  <a:tcPr>
+                    <a:lnL w="12700" cap="flat" cmpd="sng" algn="ctr">
+                      <a:solidFill>
+                        <a:schemeClr val="tx1"/>
+                      </a:solidFill>
+                      <a:prstDash val="solid"/>
+                      <a:round/>
+                      <a:headEnd type="none" w="med" len="med"/>
+                      <a:tailEnd type="none" w="med" len="med"/>
+                    </a:lnL>
+                    <a:lnR w="12700" cap="flat" cmpd="sng" algn="ctr">
+                      <a:solidFill>
+                        <a:schemeClr val="tx1"/>
+                      </a:solidFill>
+                      <a:prstDash val="solid"/>
+                      <a:round/>
+                      <a:headEnd type="none" w="med" len="med"/>
+                      <a:tailEnd type="none" w="med" len="med"/>
+                    </a:lnR>
+                    <a:lnT w="12700" cap="flat" cmpd="sng" algn="ctr">
+                      <a:solidFill>
+                        <a:schemeClr val="tx1"/>
+                      </a:solidFill>
+                      <a:prstDash val="solid"/>
+                      <a:round/>
+                      <a:headEnd type="none" w="med" len="med"/>
+                      <a:tailEnd type="none" w="med" len="med"/>
+                    </a:lnT>
+                    <a:lnB w="12700" cap="flat" cmpd="sng" algn="ctr">
+                      <a:solidFill>
+                        <a:schemeClr val="tx1"/>
+                      </a:solidFill>
+                      <a:prstDash val="solid"/>
+                      <a:round/>
+                      <a:headEnd type="none" w="med" len="med"/>
+                      <a:tailEnd type="none" w="med" len="med"/>
+                    </a:lnB>
+                  </a:tcPr>
+                </a:tc>
+                <a:tc>
+                  <a:txBody>
+                    <a:bodyPr/>
+                    <a:lstStyle/>
+                    <a:p>
+                      <a:r>
+                        <a:rPr lang="zh-CN" altLang="en-US" sz="1400" dirty="0" smtClean="0">
+                          <a:solidFill>
+                            <a:schemeClr val="tx1"/>
+                          </a:solidFill>
+                          <a:latin typeface="黑体" panose="02010609060101010101" pitchFamily="49" charset="-122"/>
+                          <a:ea typeface="黑体" panose="02010609060101010101" pitchFamily="49" charset="-122"/>
+                        </a:rPr>
+                        <a:t>周文敬</a:t>
+                      </a:r>
+                      <a:endParaRPr lang="zh-CN" altLang="en-US" sz="1400" dirty="0">
+                        <a:solidFill>
+                          <a:schemeClr val="tx1"/>
+                        </a:solidFill>
+                        <a:latin typeface="黑体" panose="02010609060101010101" pitchFamily="49" charset="-122"/>
+                        <a:ea typeface="黑体" panose="02010609060101010101" pitchFamily="49" charset="-122"/>
+                      </a:endParaRPr>
+                    </a:p>
+                  </a:txBody>
+                  <a:tcPr>
+                    <a:lnL w="12700" cap="flat" cmpd="sng" algn="ctr">
+                      <a:solidFill>
+                        <a:schemeClr val="tx1"/>
+                      </a:solidFill>
+                      <a:prstDash val="solid"/>
+                      <a:round/>
+                      <a:headEnd type="none" w="med" len="med"/>
+                      <a:tailEnd type="none" w="med" len="med"/>
+                    </a:lnL>
+                    <a:lnR w="12700" cap="flat" cmpd="sng" algn="ctr">
+                      <a:solidFill>
+                        <a:schemeClr val="tx1"/>
+                      </a:solidFill>
+                      <a:prstDash val="solid"/>
+                      <a:round/>
+                      <a:headEnd type="none" w="med" len="med"/>
+                      <a:tailEnd type="none" w="med" len="med"/>
+                    </a:lnR>
+                    <a:lnT w="12700" cap="flat" cmpd="sng" algn="ctr">
+                      <a:solidFill>
+                        <a:schemeClr val="tx1"/>
+                      </a:solidFill>
+                      <a:prstDash val="solid"/>
+                      <a:round/>
+                      <a:headEnd type="none" w="med" len="med"/>
+                      <a:tailEnd type="none" w="med" len="med"/>
+                    </a:lnT>
+                    <a:lnB w="12700" cap="flat" cmpd="sng" algn="ctr">
+                      <a:solidFill>
+                        <a:schemeClr val="tx1"/>
+                      </a:solidFill>
+                      <a:prstDash val="solid"/>
+                      <a:round/>
+                      <a:headEnd type="none" w="med" len="med"/>
+                      <a:tailEnd type="none" w="med" len="med"/>
+                    </a:lnB>
+                  </a:tcPr>
+                </a:tc>
+              </a:tr>
+              <a:tr h="350240">
+                <a:tc>
+                  <a:txBody>
+                    <a:bodyPr/>
+                    <a:lstStyle/>
+                    <a:p>
+                      <a:r>
+                        <a:rPr lang="en-US" altLang="zh-CN" sz="1400" dirty="0" smtClean="0">
+                          <a:solidFill>
+                            <a:schemeClr val="tx1"/>
+                          </a:solidFill>
+                          <a:latin typeface="黑体" panose="02010609060101010101" pitchFamily="49" charset="-122"/>
+                          <a:ea typeface="黑体" panose="02010609060101010101" pitchFamily="49" charset="-122"/>
+                        </a:rPr>
+                        <a:t>Banner</a:t>
+                      </a:r>
+                      <a:endParaRPr lang="zh-CN" altLang="en-US" sz="1400" dirty="0">
+                        <a:solidFill>
+                          <a:schemeClr val="tx1"/>
+                        </a:solidFill>
+                        <a:latin typeface="黑体" panose="02010609060101010101" pitchFamily="49" charset="-122"/>
+                        <a:ea typeface="黑体" panose="02010609060101010101" pitchFamily="49" charset="-122"/>
+                      </a:endParaRPr>
+                    </a:p>
+                  </a:txBody>
+                  <a:tcPr>
+                    <a:lnL w="12700" cap="flat" cmpd="sng" algn="ctr">
+                      <a:solidFill>
+                        <a:schemeClr val="tx1"/>
+                      </a:solidFill>
+                      <a:prstDash val="solid"/>
+                      <a:round/>
+                      <a:headEnd type="none" w="med" len="med"/>
+                      <a:tailEnd type="none" w="med" len="med"/>
+                    </a:lnL>
+                    <a:lnR w="12700" cap="flat" cmpd="sng" algn="ctr">
+                      <a:solidFill>
+                        <a:schemeClr val="tx1"/>
+                      </a:solidFill>
+                      <a:prstDash val="solid"/>
+                      <a:round/>
+                      <a:headEnd type="none" w="med" len="med"/>
+                      <a:tailEnd type="none" w="med" len="med"/>
+                    </a:lnR>
+                    <a:lnT w="12700" cap="flat" cmpd="sng" algn="ctr">
+                      <a:solidFill>
+                        <a:schemeClr val="tx1"/>
+                      </a:solidFill>
+                      <a:prstDash val="solid"/>
+                      <a:round/>
+                      <a:headEnd type="none" w="med" len="med"/>
+                      <a:tailEnd type="none" w="med" len="med"/>
+                    </a:lnT>
+                    <a:lnB w="12700" cap="flat" cmpd="sng" algn="ctr">
+                      <a:solidFill>
+                        <a:schemeClr val="tx1"/>
+                      </a:solidFill>
+                      <a:prstDash val="solid"/>
+                      <a:round/>
+                      <a:headEnd type="none" w="med" len="med"/>
+                      <a:tailEnd type="none" w="med" len="med"/>
+                    </a:lnB>
+                  </a:tcPr>
+                </a:tc>
+                <a:tc>
+                  <a:txBody>
+                    <a:bodyPr/>
+                    <a:lstStyle/>
+                    <a:p>
+                      <a:pPr marL="0" marR="0" lvl="0" indent="0" algn="l" defTabSz="914400" rtl="0" eaLnBrk="1" fontAlgn="auto" latinLnBrk="0" hangingPunct="1">
+                        <a:lnSpc>
+                          <a:spcPct val="100000"/>
+                        </a:lnSpc>
+                        <a:spcBef>
+                          <a:spcPts val="0"/>
+                        </a:spcBef>
+                        <a:spcAft>
+                          <a:spcPts val="0"/>
+                        </a:spcAft>
+                        <a:buClrTx/>
+                        <a:buSzTx/>
+                        <a:buFontTx/>
+                        <a:buNone/>
+                        <a:tabLst/>
+                        <a:defRPr/>
+                      </a:pPr>
+                      <a:r>
+                        <a:rPr lang="zh-CN" altLang="en-US" sz="1400" dirty="0" smtClean="0">
+                          <a:solidFill>
+                            <a:schemeClr val="tx1"/>
+                          </a:solidFill>
+                          <a:latin typeface="黑体" panose="02010609060101010101" pitchFamily="49" charset="-122"/>
+                          <a:ea typeface="黑体" panose="02010609060101010101" pitchFamily="49" charset="-122"/>
+                        </a:rPr>
+                        <a:t>周文敬</a:t>
+                      </a:r>
+                      <a:endParaRPr lang="zh-CN" altLang="en-US" sz="1400" dirty="0">
+                        <a:solidFill>
+                          <a:schemeClr val="tx1"/>
+                        </a:solidFill>
+                        <a:latin typeface="黑体" panose="02010609060101010101" pitchFamily="49" charset="-122"/>
+                        <a:ea typeface="黑体" panose="02010609060101010101" pitchFamily="49" charset="-122"/>
+                      </a:endParaRPr>
+                    </a:p>
+                  </a:txBody>
+                  <a:tcPr>
+                    <a:lnL w="12700" cap="flat" cmpd="sng" algn="ctr">
+                      <a:solidFill>
+                        <a:schemeClr val="tx1"/>
+                      </a:solidFill>
+                      <a:prstDash val="solid"/>
+                      <a:round/>
+                      <a:headEnd type="none" w="med" len="med"/>
+                      <a:tailEnd type="none" w="med" len="med"/>
+                    </a:lnL>
+                    <a:lnR w="12700" cap="flat" cmpd="sng" algn="ctr">
+                      <a:solidFill>
+                        <a:schemeClr val="tx1"/>
+                      </a:solidFill>
+                      <a:prstDash val="solid"/>
+                      <a:round/>
+                      <a:headEnd type="none" w="med" len="med"/>
+                      <a:tailEnd type="none" w="med" len="med"/>
+                    </a:lnR>
+                    <a:lnT w="12700" cap="flat" cmpd="sng" algn="ctr">
+                      <a:solidFill>
+                        <a:schemeClr val="tx1"/>
+                      </a:solidFill>
+                      <a:prstDash val="solid"/>
+                      <a:round/>
+                      <a:headEnd type="none" w="med" len="med"/>
+                      <a:tailEnd type="none" w="med" len="med"/>
+                    </a:lnT>
+                    <a:lnB w="12700" cap="flat" cmpd="sng" algn="ctr">
+                      <a:solidFill>
+                        <a:schemeClr val="tx1"/>
+                      </a:solidFill>
+                      <a:prstDash val="solid"/>
+                      <a:round/>
+                      <a:headEnd type="none" w="med" len="med"/>
+                      <a:tailEnd type="none" w="med" len="med"/>
+                    </a:lnB>
+                  </a:tcPr>
+                </a:tc>
+              </a:tr>
+              <a:tr h="350240">
+                <a:tc>
+                  <a:txBody>
+                    <a:bodyPr/>
+                    <a:lstStyle/>
+                    <a:p>
+                      <a:r>
+                        <a:rPr lang="zh-CN" altLang="en-US" sz="1400" dirty="0" smtClean="0">
+                          <a:solidFill>
+                            <a:schemeClr val="tx1"/>
+                          </a:solidFill>
+                          <a:latin typeface="黑体" panose="02010609060101010101" pitchFamily="49" charset="-122"/>
+                          <a:ea typeface="黑体" panose="02010609060101010101" pitchFamily="49" charset="-122"/>
+                        </a:rPr>
+                        <a:t>走马灯</a:t>
+                      </a:r>
+                      <a:endParaRPr lang="zh-CN" altLang="en-US" sz="1400" dirty="0">
+                        <a:solidFill>
+                          <a:schemeClr val="tx1"/>
+                        </a:solidFill>
+                        <a:latin typeface="黑体" panose="02010609060101010101" pitchFamily="49" charset="-122"/>
+                        <a:ea typeface="黑体" panose="02010609060101010101" pitchFamily="49" charset="-122"/>
+                      </a:endParaRPr>
+                    </a:p>
+                  </a:txBody>
+                  <a:tcPr>
+                    <a:lnL w="12700" cap="flat" cmpd="sng" algn="ctr">
+                      <a:solidFill>
+                        <a:schemeClr val="tx1"/>
+                      </a:solidFill>
+                      <a:prstDash val="solid"/>
+                      <a:round/>
+                      <a:headEnd type="none" w="med" len="med"/>
+                      <a:tailEnd type="none" w="med" len="med"/>
+                    </a:lnL>
+                    <a:lnR w="12700" cap="flat" cmpd="sng" algn="ctr">
+                      <a:solidFill>
+                        <a:schemeClr val="tx1"/>
+                      </a:solidFill>
+                      <a:prstDash val="solid"/>
+                      <a:round/>
+                      <a:headEnd type="none" w="med" len="med"/>
+                      <a:tailEnd type="none" w="med" len="med"/>
+                    </a:lnR>
+                    <a:lnT w="12700" cap="flat" cmpd="sng" algn="ctr">
+                      <a:solidFill>
+                        <a:schemeClr val="tx1"/>
+                      </a:solidFill>
+                      <a:prstDash val="solid"/>
+                      <a:round/>
+                      <a:headEnd type="none" w="med" len="med"/>
+                      <a:tailEnd type="none" w="med" len="med"/>
+                    </a:lnT>
+                    <a:lnB w="12700" cap="flat" cmpd="sng" algn="ctr">
+                      <a:solidFill>
+                        <a:schemeClr val="tx1"/>
+                      </a:solidFill>
+                      <a:prstDash val="solid"/>
+                      <a:round/>
+                      <a:headEnd type="none" w="med" len="med"/>
+                      <a:tailEnd type="none" w="med" len="med"/>
+                    </a:lnB>
+                  </a:tcPr>
+                </a:tc>
+                <a:tc>
+                  <a:txBody>
+                    <a:bodyPr/>
+                    <a:lstStyle/>
+                    <a:p>
+                      <a:pPr marL="0" marR="0" lvl="0" indent="0" algn="l" defTabSz="914400" rtl="0" eaLnBrk="1" fontAlgn="auto" latinLnBrk="0" hangingPunct="1">
+                        <a:lnSpc>
+                          <a:spcPct val="100000"/>
+                        </a:lnSpc>
+                        <a:spcBef>
+                          <a:spcPts val="0"/>
+                        </a:spcBef>
+                        <a:spcAft>
+                          <a:spcPts val="0"/>
+                        </a:spcAft>
+                        <a:buClrTx/>
+                        <a:buSzTx/>
+                        <a:buFontTx/>
+                        <a:buNone/>
+                        <a:tabLst/>
+                        <a:defRPr/>
+                      </a:pPr>
+                      <a:r>
+                        <a:rPr lang="zh-CN" altLang="en-US" sz="1400" dirty="0" smtClean="0">
+                          <a:solidFill>
+                            <a:schemeClr val="tx1"/>
+                          </a:solidFill>
+                          <a:latin typeface="黑体" panose="02010609060101010101" pitchFamily="49" charset="-122"/>
+                          <a:ea typeface="黑体" panose="02010609060101010101" pitchFamily="49" charset="-122"/>
+                        </a:rPr>
+                        <a:t>程润东</a:t>
+                      </a:r>
+                      <a:endParaRPr lang="zh-CN" altLang="en-US" sz="1400" dirty="0">
+                        <a:solidFill>
+                          <a:schemeClr val="tx1"/>
+                        </a:solidFill>
+                        <a:latin typeface="黑体" panose="02010609060101010101" pitchFamily="49" charset="-122"/>
+                        <a:ea typeface="黑体" panose="02010609060101010101" pitchFamily="49" charset="-122"/>
+                      </a:endParaRPr>
+                    </a:p>
+                  </a:txBody>
+                  <a:tcPr>
+                    <a:lnL w="12700" cap="flat" cmpd="sng" algn="ctr">
+                      <a:solidFill>
+                        <a:schemeClr val="tx1"/>
+                      </a:solidFill>
+                      <a:prstDash val="solid"/>
+                      <a:round/>
+                      <a:headEnd type="none" w="med" len="med"/>
+                      <a:tailEnd type="none" w="med" len="med"/>
+                    </a:lnL>
+                    <a:lnR w="12700" cap="flat" cmpd="sng" algn="ctr">
+                      <a:solidFill>
+                        <a:schemeClr val="tx1"/>
+                      </a:solidFill>
+                      <a:prstDash val="solid"/>
+                      <a:round/>
+                      <a:headEnd type="none" w="med" len="med"/>
+                      <a:tailEnd type="none" w="med" len="med"/>
+                    </a:lnR>
+                    <a:lnT w="12700" cap="flat" cmpd="sng" algn="ctr">
+                      <a:solidFill>
+                        <a:schemeClr val="tx1"/>
+                      </a:solidFill>
+                      <a:prstDash val="solid"/>
+                      <a:round/>
+                      <a:headEnd type="none" w="med" len="med"/>
+                      <a:tailEnd type="none" w="med" len="med"/>
+                    </a:lnT>
+                    <a:lnB w="12700" cap="flat" cmpd="sng" algn="ctr">
+                      <a:solidFill>
+                        <a:schemeClr val="tx1"/>
+                      </a:solidFill>
+                      <a:prstDash val="solid"/>
+                      <a:round/>
+                      <a:headEnd type="none" w="med" len="med"/>
+                      <a:tailEnd type="none" w="med" len="med"/>
+                    </a:lnB>
+                  </a:tcPr>
+                </a:tc>
+              </a:tr>
+              <a:tr h="375257">
+                <a:tc>
+                  <a:txBody>
+                    <a:bodyPr/>
+                    <a:lstStyle/>
+                    <a:p>
+                      <a:r>
+                        <a:rPr lang="zh-CN" altLang="en-US" sz="1400" dirty="0" smtClean="0">
+                          <a:solidFill>
+                            <a:schemeClr val="tx1"/>
+                          </a:solidFill>
+                          <a:latin typeface="黑体" panose="02010609060101010101" pitchFamily="49" charset="-122"/>
+                          <a:ea typeface="黑体" panose="02010609060101010101" pitchFamily="49" charset="-122"/>
+                        </a:rPr>
+                        <a:t>内部页面布局</a:t>
+                      </a:r>
+                      <a:endParaRPr lang="zh-CN" altLang="en-US" sz="1400" dirty="0">
+                        <a:solidFill>
+                          <a:schemeClr val="tx1"/>
+                        </a:solidFill>
+                        <a:latin typeface="黑体" panose="02010609060101010101" pitchFamily="49" charset="-122"/>
+                        <a:ea typeface="黑体" panose="02010609060101010101" pitchFamily="49" charset="-122"/>
+                      </a:endParaRPr>
+                    </a:p>
+                  </a:txBody>
+                  <a:tcPr>
+                    <a:lnL w="12700" cap="flat" cmpd="sng" algn="ctr">
+                      <a:solidFill>
+                        <a:schemeClr val="tx1"/>
+                      </a:solidFill>
+                      <a:prstDash val="solid"/>
+                      <a:round/>
+                      <a:headEnd type="none" w="med" len="med"/>
+                      <a:tailEnd type="none" w="med" len="med"/>
+                    </a:lnL>
+                    <a:lnR w="12700" cap="flat" cmpd="sng" algn="ctr">
+                      <a:solidFill>
+                        <a:schemeClr val="tx1"/>
+                      </a:solidFill>
+                      <a:prstDash val="solid"/>
+                      <a:round/>
+                      <a:headEnd type="none" w="med" len="med"/>
+                      <a:tailEnd type="none" w="med" len="med"/>
+                    </a:lnR>
+                    <a:lnT w="12700" cap="flat" cmpd="sng" algn="ctr">
+                      <a:solidFill>
+                        <a:schemeClr val="tx1"/>
+                      </a:solidFill>
+                      <a:prstDash val="solid"/>
+                      <a:round/>
+                      <a:headEnd type="none" w="med" len="med"/>
+                      <a:tailEnd type="none" w="med" len="med"/>
+                    </a:lnT>
+                    <a:lnB w="12700" cap="flat" cmpd="sng" algn="ctr">
+                      <a:solidFill>
+                        <a:schemeClr val="tx1"/>
+                      </a:solidFill>
+                      <a:prstDash val="solid"/>
+                      <a:round/>
+                      <a:headEnd type="none" w="med" len="med"/>
+                      <a:tailEnd type="none" w="med" len="med"/>
+                    </a:lnB>
+                  </a:tcPr>
+                </a:tc>
+                <a:tc>
+                  <a:txBody>
+                    <a:bodyPr/>
+                    <a:lstStyle/>
+                    <a:p>
+                      <a:pPr marL="0" marR="0" lvl="0" indent="0" algn="l" defTabSz="914400" rtl="0" eaLnBrk="1" fontAlgn="auto" latinLnBrk="0" hangingPunct="1">
+                        <a:lnSpc>
+                          <a:spcPct val="100000"/>
+                        </a:lnSpc>
+                        <a:spcBef>
+                          <a:spcPts val="0"/>
+                        </a:spcBef>
+                        <a:spcAft>
+                          <a:spcPts val="0"/>
+                        </a:spcAft>
+                        <a:buClrTx/>
+                        <a:buSzTx/>
+                        <a:buFontTx/>
+                        <a:buNone/>
+                        <a:tabLst/>
+                        <a:defRPr/>
+                      </a:pPr>
+                      <a:r>
+                        <a:rPr lang="zh-CN" altLang="en-US" sz="1400" dirty="0" smtClean="0">
+                          <a:solidFill>
+                            <a:schemeClr val="tx1"/>
+                          </a:solidFill>
+                          <a:latin typeface="黑体" panose="02010609060101010101" pitchFamily="49" charset="-122"/>
+                          <a:ea typeface="黑体" panose="02010609060101010101" pitchFamily="49" charset="-122"/>
+                        </a:rPr>
+                        <a:t>白珍珍</a:t>
+                      </a:r>
+                      <a:endParaRPr lang="zh-CN" altLang="en-US" sz="1400" dirty="0" smtClean="0">
+                        <a:solidFill>
+                          <a:schemeClr val="tx1"/>
+                        </a:solidFill>
+                        <a:latin typeface="黑体" panose="02010609060101010101" pitchFamily="49" charset="-122"/>
+                        <a:ea typeface="黑体" panose="02010609060101010101" pitchFamily="49" charset="-122"/>
+                      </a:endParaRPr>
+                    </a:p>
+                  </a:txBody>
+                  <a:tcPr>
+                    <a:lnL w="12700" cap="flat" cmpd="sng" algn="ctr">
+                      <a:solidFill>
+                        <a:schemeClr val="tx1"/>
+                      </a:solidFill>
+                      <a:prstDash val="solid"/>
+                      <a:round/>
+                      <a:headEnd type="none" w="med" len="med"/>
+                      <a:tailEnd type="none" w="med" len="med"/>
+                    </a:lnL>
+                    <a:lnR w="12700" cap="flat" cmpd="sng" algn="ctr">
+                      <a:solidFill>
+                        <a:schemeClr val="tx1"/>
+                      </a:solidFill>
+                      <a:prstDash val="solid"/>
+                      <a:round/>
+                      <a:headEnd type="none" w="med" len="med"/>
+                      <a:tailEnd type="none" w="med" len="med"/>
+                    </a:lnR>
+                    <a:lnT w="12700" cap="flat" cmpd="sng" algn="ctr">
+                      <a:solidFill>
+                        <a:schemeClr val="tx1"/>
+                      </a:solidFill>
+                      <a:prstDash val="solid"/>
+                      <a:round/>
+                      <a:headEnd type="none" w="med" len="med"/>
+                      <a:tailEnd type="none" w="med" len="med"/>
+                    </a:lnT>
+                    <a:lnB w="12700" cap="flat" cmpd="sng" algn="ctr">
+                      <a:solidFill>
+                        <a:schemeClr val="tx1"/>
+                      </a:solidFill>
+                      <a:prstDash val="solid"/>
+                      <a:round/>
+                      <a:headEnd type="none" w="med" len="med"/>
+                      <a:tailEnd type="none" w="med" len="med"/>
+                    </a:lnB>
+                  </a:tcPr>
+                </a:tc>
+              </a:tr>
+              <a:tr h="377821">
+                <a:tc>
+                  <a:txBody>
+                    <a:bodyPr/>
+                    <a:lstStyle/>
+                    <a:p>
+                      <a:pPr marL="0" marR="0" lvl="0" indent="0" algn="l" defTabSz="914400" rtl="0" eaLnBrk="1" fontAlgn="auto" latinLnBrk="0" hangingPunct="1">
+                        <a:lnSpc>
+                          <a:spcPct val="100000"/>
+                        </a:lnSpc>
+                        <a:spcBef>
+                          <a:spcPts val="0"/>
+                        </a:spcBef>
+                        <a:spcAft>
+                          <a:spcPts val="0"/>
+                        </a:spcAft>
+                        <a:buClrTx/>
+                        <a:buSzTx/>
+                        <a:buFontTx/>
+                        <a:buNone/>
+                        <a:tabLst/>
+                        <a:defRPr/>
+                      </a:pPr>
+                      <a:r>
+                        <a:rPr lang="en-US" altLang="zh-CN" sz="1400" dirty="0" smtClean="0">
+                          <a:solidFill>
+                            <a:schemeClr val="tx1"/>
+                          </a:solidFill>
+                          <a:latin typeface="黑体" panose="02010609060101010101" pitchFamily="49" charset="-122"/>
+                          <a:ea typeface="黑体" panose="02010609060101010101" pitchFamily="49" charset="-122"/>
+                        </a:rPr>
+                        <a:t>Table</a:t>
+                      </a:r>
+                      <a:endParaRPr lang="zh-CN" altLang="en-US" sz="1400" dirty="0" smtClean="0">
+                        <a:solidFill>
+                          <a:schemeClr val="tx1"/>
+                        </a:solidFill>
+                        <a:latin typeface="黑体" panose="02010609060101010101" pitchFamily="49" charset="-122"/>
+                        <a:ea typeface="黑体" panose="02010609060101010101" pitchFamily="49" charset="-122"/>
+                      </a:endParaRPr>
+                    </a:p>
+                  </a:txBody>
+                  <a:tcPr>
+                    <a:lnL w="12700" cap="flat" cmpd="sng" algn="ctr">
+                      <a:solidFill>
+                        <a:schemeClr val="tx1"/>
+                      </a:solidFill>
+                      <a:prstDash val="solid"/>
+                      <a:round/>
+                      <a:headEnd type="none" w="med" len="med"/>
+                      <a:tailEnd type="none" w="med" len="med"/>
+                    </a:lnL>
+                    <a:lnR w="12700" cap="flat" cmpd="sng" algn="ctr">
+                      <a:solidFill>
+                        <a:schemeClr val="tx1"/>
+                      </a:solidFill>
+                      <a:prstDash val="solid"/>
+                      <a:round/>
+                      <a:headEnd type="none" w="med" len="med"/>
+                      <a:tailEnd type="none" w="med" len="med"/>
+                    </a:lnR>
+                    <a:lnT w="12700" cap="flat" cmpd="sng" algn="ctr">
+                      <a:solidFill>
+                        <a:schemeClr val="tx1"/>
+                      </a:solidFill>
+                      <a:prstDash val="solid"/>
+                      <a:round/>
+                      <a:headEnd type="none" w="med" len="med"/>
+                      <a:tailEnd type="none" w="med" len="med"/>
+                    </a:lnT>
+                    <a:lnB w="12700" cap="flat" cmpd="sng" algn="ctr">
+                      <a:solidFill>
+                        <a:schemeClr val="tx1"/>
+                      </a:solidFill>
+                      <a:prstDash val="solid"/>
+                      <a:round/>
+                      <a:headEnd type="none" w="med" len="med"/>
+                      <a:tailEnd type="none" w="med" len="med"/>
+                    </a:lnB>
+                  </a:tcPr>
+                </a:tc>
+                <a:tc>
+                  <a:txBody>
+                    <a:bodyPr/>
+                    <a:lstStyle/>
+                    <a:p>
+                      <a:r>
+                        <a:rPr lang="zh-CN" altLang="en-US" sz="1400" dirty="0" smtClean="0">
+                          <a:solidFill>
+                            <a:schemeClr val="tx1"/>
+                          </a:solidFill>
+                          <a:latin typeface="黑体" panose="02010609060101010101" pitchFamily="49" charset="-122"/>
+                          <a:ea typeface="黑体" panose="02010609060101010101" pitchFamily="49" charset="-122"/>
+                        </a:rPr>
+                        <a:t>白珍珍</a:t>
+                      </a:r>
+                      <a:endParaRPr lang="zh-CN" altLang="en-US" sz="1400" dirty="0">
+                        <a:solidFill>
+                          <a:schemeClr val="tx1"/>
+                        </a:solidFill>
+                        <a:latin typeface="黑体" panose="02010609060101010101" pitchFamily="49" charset="-122"/>
+                        <a:ea typeface="黑体" panose="02010609060101010101" pitchFamily="49" charset="-122"/>
+                      </a:endParaRPr>
+                    </a:p>
+                  </a:txBody>
+                  <a:tcPr>
+                    <a:lnL w="12700" cap="flat" cmpd="sng" algn="ctr">
+                      <a:solidFill>
+                        <a:schemeClr val="tx1"/>
+                      </a:solidFill>
+                      <a:prstDash val="solid"/>
+                      <a:round/>
+                      <a:headEnd type="none" w="med" len="med"/>
+                      <a:tailEnd type="none" w="med" len="med"/>
+                    </a:lnL>
+                    <a:lnR w="12700" cap="flat" cmpd="sng" algn="ctr">
+                      <a:solidFill>
+                        <a:schemeClr val="tx1"/>
+                      </a:solidFill>
+                      <a:prstDash val="solid"/>
+                      <a:round/>
+                      <a:headEnd type="none" w="med" len="med"/>
+                      <a:tailEnd type="none" w="med" len="med"/>
+                    </a:lnR>
+                    <a:lnT w="12700" cap="flat" cmpd="sng" algn="ctr">
+                      <a:solidFill>
+                        <a:schemeClr val="tx1"/>
+                      </a:solidFill>
+                      <a:prstDash val="solid"/>
+                      <a:round/>
+                      <a:headEnd type="none" w="med" len="med"/>
+                      <a:tailEnd type="none" w="med" len="med"/>
+                    </a:lnT>
+                    <a:lnB w="12700" cap="flat" cmpd="sng" algn="ctr">
+                      <a:solidFill>
+                        <a:schemeClr val="tx1"/>
+                      </a:solidFill>
+                      <a:prstDash val="solid"/>
+                      <a:round/>
+                      <a:headEnd type="none" w="med" len="med"/>
+                      <a:tailEnd type="none" w="med" len="med"/>
+                    </a:lnB>
+                  </a:tcPr>
+                </a:tc>
+              </a:tr>
+              <a:tr h="374587">
+                <a:tc>
+                  <a:txBody>
+                    <a:bodyPr/>
+                    <a:lstStyle/>
+                    <a:p>
+                      <a:r>
+                        <a:rPr lang="zh-CN" altLang="en-US" sz="1200" b="0" dirty="0" smtClean="0">
+                          <a:solidFill>
+                            <a:schemeClr val="tx1"/>
+                          </a:solidFill>
+                          <a:latin typeface="微软雅黑" panose="020B0503020204020204" pitchFamily="34" charset="-122"/>
+                          <a:ea typeface="微软雅黑" panose="020B0503020204020204" pitchFamily="34" charset="-122"/>
+                        </a:rPr>
+                        <a:t>分页组件</a:t>
+                      </a:r>
+                      <a:endParaRPr lang="zh-CN" altLang="en-US" sz="1200" b="0" dirty="0">
+                        <a:solidFill>
+                          <a:schemeClr val="tx1"/>
+                        </a:solidFill>
+                        <a:latin typeface="微软雅黑" panose="020B0503020204020204" pitchFamily="34" charset="-122"/>
+                        <a:ea typeface="微软雅黑" panose="020B0503020204020204" pitchFamily="34" charset="-122"/>
+                      </a:endParaRPr>
+                    </a:p>
+                  </a:txBody>
+                  <a:tcPr>
+                    <a:lnL w="12700" cap="flat" cmpd="sng" algn="ctr">
+                      <a:solidFill>
+                        <a:schemeClr val="tx1"/>
+                      </a:solidFill>
+                      <a:prstDash val="solid"/>
+                      <a:round/>
+                      <a:headEnd type="none" w="med" len="med"/>
+                      <a:tailEnd type="none" w="med" len="med"/>
+                    </a:lnL>
+                    <a:lnR w="12700" cap="flat" cmpd="sng" algn="ctr">
+                      <a:solidFill>
+                        <a:schemeClr val="tx1"/>
+                      </a:solidFill>
+                      <a:prstDash val="solid"/>
+                      <a:round/>
+                      <a:headEnd type="none" w="med" len="med"/>
+                      <a:tailEnd type="none" w="med" len="med"/>
+                    </a:lnR>
+                    <a:lnT w="12700" cap="flat" cmpd="sng" algn="ctr">
+                      <a:solidFill>
+                        <a:schemeClr val="tx1"/>
+                      </a:solidFill>
+                      <a:prstDash val="solid"/>
+                      <a:round/>
+                      <a:headEnd type="none" w="med" len="med"/>
+                      <a:tailEnd type="none" w="med" len="med"/>
+                    </a:lnT>
+                    <a:lnB w="12700" cap="flat" cmpd="sng" algn="ctr">
+                      <a:solidFill>
+                        <a:schemeClr val="tx1"/>
+                      </a:solidFill>
+                      <a:prstDash val="solid"/>
+                      <a:round/>
+                      <a:headEnd type="none" w="med" len="med"/>
+                      <a:tailEnd type="none" w="med" len="med"/>
+                    </a:lnB>
+                  </a:tcPr>
+                </a:tc>
+                <a:tc>
+                  <a:txBody>
+                    <a:bodyPr/>
+                    <a:lstStyle/>
+                    <a:p>
+                      <a:pPr marL="0" marR="0" lvl="0" indent="0" algn="l" defTabSz="1187798" rtl="0" eaLnBrk="1" fontAlgn="auto" latinLnBrk="0" hangingPunct="1">
+                        <a:lnSpc>
+                          <a:spcPct val="100000"/>
+                        </a:lnSpc>
+                        <a:spcBef>
+                          <a:spcPts val="0"/>
+                        </a:spcBef>
+                        <a:spcAft>
+                          <a:spcPts val="0"/>
+                        </a:spcAft>
+                        <a:buClrTx/>
+                        <a:buSzTx/>
+                        <a:buFontTx/>
+                        <a:buNone/>
+                        <a:tabLst/>
+                        <a:defRPr/>
+                      </a:pPr>
+                      <a:r>
+                        <a:rPr lang="zh-CN" altLang="en-US" sz="1200" b="0" dirty="0" smtClean="0">
+                          <a:solidFill>
+                            <a:schemeClr val="tx1"/>
+                          </a:solidFill>
+                          <a:latin typeface="微软雅黑" panose="020B0503020204020204" pitchFamily="34" charset="-122"/>
+                          <a:ea typeface="微软雅黑" panose="020B0503020204020204" pitchFamily="34" charset="-122"/>
+                        </a:rPr>
+                        <a:t>赵龙飞</a:t>
+                      </a:r>
+                      <a:endParaRPr lang="zh-CN" altLang="en-US" sz="1200" b="0" dirty="0" smtClean="0">
+                        <a:solidFill>
+                          <a:schemeClr val="tx1"/>
+                        </a:solidFill>
+                        <a:latin typeface="微软雅黑" panose="020B0503020204020204" pitchFamily="34" charset="-122"/>
+                        <a:ea typeface="微软雅黑" panose="020B0503020204020204" pitchFamily="34" charset="-122"/>
+                      </a:endParaRPr>
+                    </a:p>
+                  </a:txBody>
+                  <a:tcPr>
+                    <a:lnL w="12700" cap="flat" cmpd="sng" algn="ctr">
+                      <a:solidFill>
+                        <a:schemeClr val="tx1"/>
+                      </a:solidFill>
+                      <a:prstDash val="solid"/>
+                      <a:round/>
+                      <a:headEnd type="none" w="med" len="med"/>
+                      <a:tailEnd type="none" w="med" len="med"/>
+                    </a:lnL>
+                    <a:lnR w="12700" cap="flat" cmpd="sng" algn="ctr">
+                      <a:solidFill>
+                        <a:schemeClr val="tx1"/>
+                      </a:solidFill>
+                      <a:prstDash val="solid"/>
+                      <a:round/>
+                      <a:headEnd type="none" w="med" len="med"/>
+                      <a:tailEnd type="none" w="med" len="med"/>
+                    </a:lnR>
+                    <a:lnT w="12700" cap="flat" cmpd="sng" algn="ctr">
+                      <a:solidFill>
+                        <a:schemeClr val="tx1"/>
+                      </a:solidFill>
+                      <a:prstDash val="solid"/>
+                      <a:round/>
+                      <a:headEnd type="none" w="med" len="med"/>
+                      <a:tailEnd type="none" w="med" len="med"/>
+                    </a:lnT>
+                    <a:lnB w="12700" cap="flat" cmpd="sng" algn="ctr">
+                      <a:solidFill>
+                        <a:schemeClr val="tx1"/>
+                      </a:solidFill>
+                      <a:prstDash val="solid"/>
+                      <a:round/>
+                      <a:headEnd type="none" w="med" len="med"/>
+                      <a:tailEnd type="none" w="med" len="med"/>
+                    </a:lnB>
+                  </a:tcPr>
+                </a:tc>
+              </a:tr>
+              <a:tr h="350440">
+                <a:tc>
+                  <a:txBody>
+                    <a:bodyPr/>
+                    <a:lstStyle/>
+                    <a:p>
+                      <a:r>
+                        <a:rPr lang="zh-CN" altLang="en-US" sz="1200" b="0" dirty="0" smtClean="0">
+                          <a:solidFill>
+                            <a:schemeClr val="tx1"/>
+                          </a:solidFill>
+                          <a:latin typeface="微软雅黑" panose="020B0503020204020204" pitchFamily="34" charset="-122"/>
+                          <a:ea typeface="微软雅黑" panose="020B0503020204020204" pitchFamily="34" charset="-122"/>
+                        </a:rPr>
+                        <a:t>搜索组件</a:t>
+                      </a:r>
+                      <a:endParaRPr lang="zh-CN" altLang="en-US" sz="1200" b="0" dirty="0">
+                        <a:solidFill>
+                          <a:schemeClr val="tx1"/>
+                        </a:solidFill>
+                        <a:latin typeface="微软雅黑" panose="020B0503020204020204" pitchFamily="34" charset="-122"/>
+                        <a:ea typeface="微软雅黑" panose="020B0503020204020204" pitchFamily="34" charset="-122"/>
+                      </a:endParaRPr>
+                    </a:p>
+                  </a:txBody>
+                  <a:tcPr>
+                    <a:lnL w="12700" cap="flat" cmpd="sng" algn="ctr">
+                      <a:solidFill>
+                        <a:schemeClr val="tx1"/>
+                      </a:solidFill>
+                      <a:prstDash val="solid"/>
+                      <a:round/>
+                      <a:headEnd type="none" w="med" len="med"/>
+                      <a:tailEnd type="none" w="med" len="med"/>
+                    </a:lnL>
+                    <a:lnR w="12700" cap="flat" cmpd="sng" algn="ctr">
+                      <a:solidFill>
+                        <a:schemeClr val="tx1"/>
+                      </a:solidFill>
+                      <a:prstDash val="solid"/>
+                      <a:round/>
+                      <a:headEnd type="none" w="med" len="med"/>
+                      <a:tailEnd type="none" w="med" len="med"/>
+                    </a:lnR>
+                    <a:lnT w="12700" cap="flat" cmpd="sng" algn="ctr">
+                      <a:solidFill>
+                        <a:schemeClr val="tx1"/>
+                      </a:solidFill>
+                      <a:prstDash val="solid"/>
+                      <a:round/>
+                      <a:headEnd type="none" w="med" len="med"/>
+                      <a:tailEnd type="none" w="med" len="med"/>
+                    </a:lnT>
+                    <a:lnB w="12700" cap="flat" cmpd="sng" algn="ctr">
+                      <a:solidFill>
+                        <a:schemeClr val="tx1"/>
+                      </a:solidFill>
+                      <a:prstDash val="solid"/>
+                      <a:round/>
+                      <a:headEnd type="none" w="med" len="med"/>
+                      <a:tailEnd type="none" w="med" len="med"/>
+                    </a:lnB>
+                  </a:tcPr>
+                </a:tc>
+                <a:tc>
+                  <a:txBody>
+                    <a:bodyPr/>
+                    <a:lstStyle/>
+                    <a:p>
+                      <a:pPr marL="0" marR="0" lvl="0" indent="0" algn="l" defTabSz="1187798" rtl="0" eaLnBrk="1" fontAlgn="auto" latinLnBrk="0" hangingPunct="1">
+                        <a:lnSpc>
+                          <a:spcPct val="100000"/>
+                        </a:lnSpc>
+                        <a:spcBef>
+                          <a:spcPts val="0"/>
+                        </a:spcBef>
+                        <a:spcAft>
+                          <a:spcPts val="0"/>
+                        </a:spcAft>
+                        <a:buClrTx/>
+                        <a:buSzTx/>
+                        <a:buFontTx/>
+                        <a:buNone/>
+                        <a:tabLst/>
+                        <a:defRPr/>
+                      </a:pPr>
+                      <a:r>
+                        <a:rPr lang="zh-CN" altLang="en-US" sz="1200" b="0" dirty="0" smtClean="0">
+                          <a:solidFill>
+                            <a:schemeClr val="tx1"/>
+                          </a:solidFill>
+                          <a:latin typeface="微软雅黑" panose="020B0503020204020204" pitchFamily="34" charset="-122"/>
+                          <a:ea typeface="微软雅黑" panose="020B0503020204020204" pitchFamily="34" charset="-122"/>
+                        </a:rPr>
+                        <a:t>邹玲莉</a:t>
+                      </a:r>
+                      <a:endParaRPr lang="zh-CN" altLang="en-US" sz="1200" b="0" dirty="0" smtClean="0">
+                        <a:solidFill>
+                          <a:schemeClr val="tx1"/>
+                        </a:solidFill>
+                        <a:latin typeface="微软雅黑" panose="020B0503020204020204" pitchFamily="34" charset="-122"/>
+                        <a:ea typeface="微软雅黑" panose="020B0503020204020204" pitchFamily="34" charset="-122"/>
+                      </a:endParaRPr>
+                    </a:p>
+                  </a:txBody>
+                  <a:tcPr>
+                    <a:lnL w="12700" cap="flat" cmpd="sng" algn="ctr">
+                      <a:solidFill>
+                        <a:schemeClr val="tx1"/>
+                      </a:solidFill>
+                      <a:prstDash val="solid"/>
+                      <a:round/>
+                      <a:headEnd type="none" w="med" len="med"/>
+                      <a:tailEnd type="none" w="med" len="med"/>
+                    </a:lnL>
+                    <a:lnR w="12700" cap="flat" cmpd="sng" algn="ctr">
+                      <a:solidFill>
+                        <a:schemeClr val="tx1"/>
+                      </a:solidFill>
+                      <a:prstDash val="solid"/>
+                      <a:round/>
+                      <a:headEnd type="none" w="med" len="med"/>
+                      <a:tailEnd type="none" w="med" len="med"/>
+                    </a:lnR>
+                    <a:lnT w="12700" cap="flat" cmpd="sng" algn="ctr">
+                      <a:solidFill>
+                        <a:schemeClr val="tx1"/>
+                      </a:solidFill>
+                      <a:prstDash val="solid"/>
+                      <a:round/>
+                      <a:headEnd type="none" w="med" len="med"/>
+                      <a:tailEnd type="none" w="med" len="med"/>
+                    </a:lnT>
+                    <a:lnB w="12700" cap="flat" cmpd="sng" algn="ctr">
+                      <a:solidFill>
+                        <a:schemeClr val="tx1"/>
+                      </a:solidFill>
+                      <a:prstDash val="solid"/>
+                      <a:round/>
+                      <a:headEnd type="none" w="med" len="med"/>
+                      <a:tailEnd type="none" w="med" len="med"/>
+                    </a:lnB>
+                  </a:tcPr>
+                </a:tc>
+              </a:tr>
+              <a:tr h="351440">
+                <a:tc>
+                  <a:txBody>
+                    <a:bodyPr/>
+                    <a:lstStyle/>
+                    <a:p>
+                      <a:r>
+                        <a:rPr lang="zh-CN" altLang="en-US" sz="1200" b="0" dirty="0" smtClean="0">
+                          <a:solidFill>
+                            <a:schemeClr val="tx1"/>
+                          </a:solidFill>
+                          <a:latin typeface="微软雅黑" panose="020B0503020204020204" pitchFamily="34" charset="-122"/>
+                          <a:ea typeface="微软雅黑" panose="020B0503020204020204" pitchFamily="34" charset="-122"/>
+                        </a:rPr>
+                        <a:t>对话框</a:t>
+                      </a:r>
+                      <a:endParaRPr lang="zh-CN" altLang="en-US" sz="1200" b="0" dirty="0">
+                        <a:solidFill>
+                          <a:schemeClr val="tx1"/>
+                        </a:solidFill>
+                        <a:latin typeface="微软雅黑" panose="020B0503020204020204" pitchFamily="34" charset="-122"/>
+                        <a:ea typeface="微软雅黑" panose="020B0503020204020204" pitchFamily="34" charset="-122"/>
+                      </a:endParaRPr>
+                    </a:p>
+                  </a:txBody>
+                  <a:tcPr>
+                    <a:lnL w="12700" cap="flat" cmpd="sng" algn="ctr">
+                      <a:solidFill>
+                        <a:schemeClr val="tx1"/>
+                      </a:solidFill>
+                      <a:prstDash val="solid"/>
+                      <a:round/>
+                      <a:headEnd type="none" w="med" len="med"/>
+                      <a:tailEnd type="none" w="med" len="med"/>
+                    </a:lnL>
+                    <a:lnR w="12700" cap="flat" cmpd="sng" algn="ctr">
+                      <a:solidFill>
+                        <a:schemeClr val="tx1"/>
+                      </a:solidFill>
+                      <a:prstDash val="solid"/>
+                      <a:round/>
+                      <a:headEnd type="none" w="med" len="med"/>
+                      <a:tailEnd type="none" w="med" len="med"/>
+                    </a:lnR>
+                    <a:lnT w="12700" cap="flat" cmpd="sng" algn="ctr">
+                      <a:solidFill>
+                        <a:schemeClr val="tx1"/>
+                      </a:solidFill>
+                      <a:prstDash val="solid"/>
+                      <a:round/>
+                      <a:headEnd type="none" w="med" len="med"/>
+                      <a:tailEnd type="none" w="med" len="med"/>
+                    </a:lnT>
+                    <a:lnB w="12700" cap="flat" cmpd="sng" algn="ctr">
+                      <a:solidFill>
+                        <a:schemeClr val="tx1"/>
+                      </a:solidFill>
+                      <a:prstDash val="solid"/>
+                      <a:round/>
+                      <a:headEnd type="none" w="med" len="med"/>
+                      <a:tailEnd type="none" w="med" len="med"/>
+                    </a:lnB>
+                  </a:tcPr>
+                </a:tc>
+                <a:tc>
+                  <a:txBody>
+                    <a:bodyPr/>
+                    <a:lstStyle/>
+                    <a:p>
+                      <a:pPr marL="0" marR="0" lvl="0" indent="0" algn="l" defTabSz="1187798" rtl="0" eaLnBrk="1" fontAlgn="auto" latinLnBrk="0" hangingPunct="1">
+                        <a:lnSpc>
+                          <a:spcPct val="100000"/>
+                        </a:lnSpc>
+                        <a:spcBef>
+                          <a:spcPts val="0"/>
+                        </a:spcBef>
+                        <a:spcAft>
+                          <a:spcPts val="0"/>
+                        </a:spcAft>
+                        <a:buClrTx/>
+                        <a:buSzTx/>
+                        <a:buFontTx/>
+                        <a:buNone/>
+                        <a:tabLst/>
+                        <a:defRPr/>
+                      </a:pPr>
+                      <a:r>
+                        <a:rPr lang="zh-CN" altLang="en-US" sz="1200" b="0" dirty="0" smtClean="0">
+                          <a:solidFill>
+                            <a:schemeClr val="tx1"/>
+                          </a:solidFill>
+                          <a:latin typeface="微软雅黑" panose="020B0503020204020204" pitchFamily="34" charset="-122"/>
+                          <a:ea typeface="微软雅黑" panose="020B0503020204020204" pitchFamily="34" charset="-122"/>
+                        </a:rPr>
+                        <a:t>杨阳</a:t>
+                      </a:r>
+                      <a:endParaRPr lang="zh-CN" altLang="en-US" sz="1200" b="0" dirty="0" smtClean="0">
+                        <a:solidFill>
+                          <a:schemeClr val="tx1"/>
+                        </a:solidFill>
+                        <a:latin typeface="微软雅黑" panose="020B0503020204020204" pitchFamily="34" charset="-122"/>
+                        <a:ea typeface="微软雅黑" panose="020B0503020204020204" pitchFamily="34" charset="-122"/>
+                      </a:endParaRPr>
+                    </a:p>
+                  </a:txBody>
+                  <a:tcPr>
+                    <a:lnL w="12700" cap="flat" cmpd="sng" algn="ctr">
+                      <a:solidFill>
+                        <a:schemeClr val="tx1"/>
+                      </a:solidFill>
+                      <a:prstDash val="solid"/>
+                      <a:round/>
+                      <a:headEnd type="none" w="med" len="med"/>
+                      <a:tailEnd type="none" w="med" len="med"/>
+                    </a:lnL>
+                    <a:lnR w="12700" cap="flat" cmpd="sng" algn="ctr">
+                      <a:solidFill>
+                        <a:schemeClr val="tx1"/>
+                      </a:solidFill>
+                      <a:prstDash val="solid"/>
+                      <a:round/>
+                      <a:headEnd type="none" w="med" len="med"/>
+                      <a:tailEnd type="none" w="med" len="med"/>
+                    </a:lnR>
+                    <a:lnT w="12700" cap="flat" cmpd="sng" algn="ctr">
+                      <a:solidFill>
+                        <a:schemeClr val="tx1"/>
+                      </a:solidFill>
+                      <a:prstDash val="solid"/>
+                      <a:round/>
+                      <a:headEnd type="none" w="med" len="med"/>
+                      <a:tailEnd type="none" w="med" len="med"/>
+                    </a:lnT>
+                    <a:lnB w="12700" cap="flat" cmpd="sng" algn="ctr">
+                      <a:solidFill>
+                        <a:schemeClr val="tx1"/>
+                      </a:solidFill>
+                      <a:prstDash val="solid"/>
+                      <a:round/>
+                      <a:headEnd type="none" w="med" len="med"/>
+                      <a:tailEnd type="none" w="med" len="med"/>
+                    </a:lnB>
+                  </a:tcPr>
+                </a:tc>
+              </a:tr>
+              <a:tr h="375257">
+                <a:tc>
+                  <a:txBody>
+                    <a:bodyPr/>
+                    <a:lstStyle/>
+                    <a:p>
+                      <a:r>
+                        <a:rPr lang="zh-CN" altLang="en-US" sz="1200" b="0" dirty="0" smtClean="0">
+                          <a:solidFill>
+                            <a:schemeClr val="tx1"/>
+                          </a:solidFill>
+                          <a:latin typeface="微软雅黑" panose="020B0503020204020204" pitchFamily="34" charset="-122"/>
+                          <a:ea typeface="微软雅黑" panose="020B0503020204020204" pitchFamily="34" charset="-122"/>
+                        </a:rPr>
+                        <a:t>标签</a:t>
+                      </a:r>
+                      <a:endParaRPr lang="zh-CN" altLang="en-US" sz="1200" b="0" dirty="0">
+                        <a:solidFill>
+                          <a:schemeClr val="tx1"/>
+                        </a:solidFill>
+                        <a:latin typeface="微软雅黑" panose="020B0503020204020204" pitchFamily="34" charset="-122"/>
+                        <a:ea typeface="微软雅黑" panose="020B0503020204020204" pitchFamily="34" charset="-122"/>
+                      </a:endParaRPr>
+                    </a:p>
+                  </a:txBody>
+                  <a:tcPr>
+                    <a:lnL w="12700" cap="flat" cmpd="sng" algn="ctr">
+                      <a:solidFill>
+                        <a:schemeClr val="tx1"/>
+                      </a:solidFill>
+                      <a:prstDash val="solid"/>
+                      <a:round/>
+                      <a:headEnd type="none" w="med" len="med"/>
+                      <a:tailEnd type="none" w="med" len="med"/>
+                    </a:lnL>
+                    <a:lnR w="12700" cap="flat" cmpd="sng" algn="ctr">
+                      <a:solidFill>
+                        <a:schemeClr val="tx1"/>
+                      </a:solidFill>
+                      <a:prstDash val="solid"/>
+                      <a:round/>
+                      <a:headEnd type="none" w="med" len="med"/>
+                      <a:tailEnd type="none" w="med" len="med"/>
+                    </a:lnR>
+                    <a:lnT w="12700" cap="flat" cmpd="sng" algn="ctr">
+                      <a:solidFill>
+                        <a:schemeClr val="tx1"/>
+                      </a:solidFill>
+                      <a:prstDash val="solid"/>
+                      <a:round/>
+                      <a:headEnd type="none" w="med" len="med"/>
+                      <a:tailEnd type="none" w="med" len="med"/>
+                    </a:lnT>
+                    <a:lnB w="12700" cap="flat" cmpd="sng" algn="ctr">
+                      <a:solidFill>
+                        <a:schemeClr val="tx1"/>
+                      </a:solidFill>
+                      <a:prstDash val="solid"/>
+                      <a:round/>
+                      <a:headEnd type="none" w="med" len="med"/>
+                      <a:tailEnd type="none" w="med" len="med"/>
+                    </a:lnB>
+                  </a:tcPr>
+                </a:tc>
+                <a:tc>
+                  <a:txBody>
+                    <a:bodyPr/>
+                    <a:lstStyle/>
+                    <a:p>
+                      <a:pPr marL="0" marR="0" lvl="0" indent="0" algn="l" defTabSz="1187798" rtl="0" eaLnBrk="1" fontAlgn="auto" latinLnBrk="0" hangingPunct="1">
+                        <a:lnSpc>
+                          <a:spcPct val="100000"/>
+                        </a:lnSpc>
+                        <a:spcBef>
+                          <a:spcPts val="0"/>
+                        </a:spcBef>
+                        <a:spcAft>
+                          <a:spcPts val="0"/>
+                        </a:spcAft>
+                        <a:buClrTx/>
+                        <a:buSzTx/>
+                        <a:buFontTx/>
+                        <a:buNone/>
+                        <a:tabLst/>
+                        <a:defRPr/>
+                      </a:pPr>
+                      <a:r>
+                        <a:rPr lang="zh-CN" altLang="en-US" sz="1200" b="0" dirty="0" smtClean="0">
+                          <a:solidFill>
+                            <a:schemeClr val="tx1"/>
+                          </a:solidFill>
+                          <a:latin typeface="微软雅黑" panose="020B0503020204020204" pitchFamily="34" charset="-122"/>
+                          <a:ea typeface="微软雅黑" panose="020B0503020204020204" pitchFamily="34" charset="-122"/>
+                        </a:rPr>
+                        <a:t>赵龙飞</a:t>
+                      </a:r>
+                      <a:endParaRPr lang="zh-CN" altLang="en-US" sz="1200" b="0" dirty="0" smtClean="0">
+                        <a:solidFill>
+                          <a:schemeClr val="tx1"/>
+                        </a:solidFill>
+                        <a:latin typeface="微软雅黑" panose="020B0503020204020204" pitchFamily="34" charset="-122"/>
+                        <a:ea typeface="微软雅黑" panose="020B0503020204020204" pitchFamily="34" charset="-122"/>
+                      </a:endParaRPr>
+                    </a:p>
+                  </a:txBody>
+                  <a:tcPr>
+                    <a:lnL w="12700" cap="flat" cmpd="sng" algn="ctr">
+                      <a:solidFill>
+                        <a:schemeClr val="tx1"/>
+                      </a:solidFill>
+                      <a:prstDash val="solid"/>
+                      <a:round/>
+                      <a:headEnd type="none" w="med" len="med"/>
+                      <a:tailEnd type="none" w="med" len="med"/>
+                    </a:lnL>
+                    <a:lnR w="12700" cap="flat" cmpd="sng" algn="ctr">
+                      <a:solidFill>
+                        <a:schemeClr val="tx1"/>
+                      </a:solidFill>
+                      <a:prstDash val="solid"/>
+                      <a:round/>
+                      <a:headEnd type="none" w="med" len="med"/>
+                      <a:tailEnd type="none" w="med" len="med"/>
+                    </a:lnR>
+                    <a:lnT w="12700" cap="flat" cmpd="sng" algn="ctr">
+                      <a:solidFill>
+                        <a:schemeClr val="tx1"/>
+                      </a:solidFill>
+                      <a:prstDash val="solid"/>
+                      <a:round/>
+                      <a:headEnd type="none" w="med" len="med"/>
+                      <a:tailEnd type="none" w="med" len="med"/>
+                    </a:lnT>
+                    <a:lnB w="12700" cap="flat" cmpd="sng" algn="ctr">
+                      <a:solidFill>
+                        <a:schemeClr val="tx1"/>
+                      </a:solidFill>
+                      <a:prstDash val="solid"/>
+                      <a:round/>
+                      <a:headEnd type="none" w="med" len="med"/>
+                      <a:tailEnd type="none" w="med" len="med"/>
+                    </a:lnB>
+                  </a:tcPr>
+                </a:tc>
+              </a:tr>
+              <a:tr h="303022">
+                <a:tc>
+                  <a:txBody>
+                    <a:bodyPr/>
+                    <a:lstStyle/>
+                    <a:p>
+                      <a:r>
+                        <a:rPr lang="en-US" altLang="zh-CN" sz="1200" b="0" dirty="0" smtClean="0">
+                          <a:solidFill>
+                            <a:schemeClr val="tx1"/>
+                          </a:solidFill>
+                          <a:latin typeface="微软雅黑" panose="020B0503020204020204" pitchFamily="34" charset="-122"/>
+                          <a:ea typeface="微软雅黑" panose="020B0503020204020204" pitchFamily="34" charset="-122"/>
+                        </a:rPr>
+                        <a:t>Button</a:t>
+                      </a:r>
+                      <a:endParaRPr lang="zh-CN" altLang="en-US" sz="1200" b="0" dirty="0">
+                        <a:solidFill>
+                          <a:schemeClr val="tx1"/>
+                        </a:solidFill>
+                        <a:latin typeface="微软雅黑" panose="020B0503020204020204" pitchFamily="34" charset="-122"/>
+                        <a:ea typeface="微软雅黑" panose="020B0503020204020204" pitchFamily="34" charset="-122"/>
+                      </a:endParaRPr>
+                    </a:p>
+                  </a:txBody>
+                  <a:tcPr>
+                    <a:lnL w="12700" cap="flat" cmpd="sng" algn="ctr">
+                      <a:solidFill>
+                        <a:schemeClr val="tx1"/>
+                      </a:solidFill>
+                      <a:prstDash val="solid"/>
+                      <a:round/>
+                      <a:headEnd type="none" w="med" len="med"/>
+                      <a:tailEnd type="none" w="med" len="med"/>
+                    </a:lnL>
+                    <a:lnR w="12700" cap="flat" cmpd="sng" algn="ctr">
+                      <a:solidFill>
+                        <a:schemeClr val="tx1"/>
+                      </a:solidFill>
+                      <a:prstDash val="solid"/>
+                      <a:round/>
+                      <a:headEnd type="none" w="med" len="med"/>
+                      <a:tailEnd type="none" w="med" len="med"/>
+                    </a:lnR>
+                    <a:lnT w="12700" cap="flat" cmpd="sng" algn="ctr">
+                      <a:solidFill>
+                        <a:schemeClr val="tx1"/>
+                      </a:solidFill>
+                      <a:prstDash val="solid"/>
+                      <a:round/>
+                      <a:headEnd type="none" w="med" len="med"/>
+                      <a:tailEnd type="none" w="med" len="med"/>
+                    </a:lnT>
+                    <a:lnB w="12700" cap="flat" cmpd="sng" algn="ctr">
+                      <a:solidFill>
+                        <a:schemeClr val="tx1"/>
+                      </a:solidFill>
+                      <a:prstDash val="solid"/>
+                      <a:round/>
+                      <a:headEnd type="none" w="med" len="med"/>
+                      <a:tailEnd type="none" w="med" len="med"/>
+                    </a:lnB>
+                  </a:tcPr>
+                </a:tc>
+                <a:tc>
+                  <a:txBody>
+                    <a:bodyPr/>
+                    <a:lstStyle/>
+                    <a:p>
+                      <a:pPr marL="0" marR="0" lvl="0" indent="0" algn="l" defTabSz="1187798" rtl="0" eaLnBrk="1" fontAlgn="auto" latinLnBrk="0" hangingPunct="1">
+                        <a:lnSpc>
+                          <a:spcPct val="100000"/>
+                        </a:lnSpc>
+                        <a:spcBef>
+                          <a:spcPts val="0"/>
+                        </a:spcBef>
+                        <a:spcAft>
+                          <a:spcPts val="0"/>
+                        </a:spcAft>
+                        <a:buClrTx/>
+                        <a:buSzTx/>
+                        <a:buFontTx/>
+                        <a:buNone/>
+                        <a:tabLst/>
+                        <a:defRPr/>
+                      </a:pPr>
+                      <a:r>
+                        <a:rPr lang="zh-CN" altLang="en-US" sz="1200" b="0" dirty="0" smtClean="0">
+                          <a:solidFill>
+                            <a:schemeClr val="tx1"/>
+                          </a:solidFill>
+                          <a:latin typeface="微软雅黑" panose="020B0503020204020204" pitchFamily="34" charset="-122"/>
+                          <a:ea typeface="微软雅黑" panose="020B0503020204020204" pitchFamily="34" charset="-122"/>
+                        </a:rPr>
+                        <a:t>邹玲莉</a:t>
+                      </a:r>
+                    </a:p>
+                    <a:p>
+                      <a:pPr marL="0" marR="0" lvl="0" indent="0" algn="l" defTabSz="1187798" rtl="0" eaLnBrk="1" fontAlgn="auto" latinLnBrk="0" hangingPunct="1">
+                        <a:lnSpc>
+                          <a:spcPct val="100000"/>
+                        </a:lnSpc>
+                        <a:spcBef>
+                          <a:spcPts val="0"/>
+                        </a:spcBef>
+                        <a:spcAft>
+                          <a:spcPts val="0"/>
+                        </a:spcAft>
+                        <a:buClrTx/>
+                        <a:buSzTx/>
+                        <a:buFontTx/>
+                        <a:buNone/>
+                        <a:tabLst/>
+                        <a:defRPr/>
+                      </a:pPr>
+                      <a:endParaRPr lang="zh-CN" altLang="en-US" sz="1200" b="0" dirty="0" smtClean="0">
+                        <a:solidFill>
+                          <a:schemeClr val="tx1"/>
+                        </a:solidFill>
+                        <a:latin typeface="微软雅黑" panose="020B0503020204020204" pitchFamily="34" charset="-122"/>
+                        <a:ea typeface="微软雅黑" panose="020B0503020204020204" pitchFamily="34" charset="-122"/>
+                      </a:endParaRPr>
+                    </a:p>
+                  </a:txBody>
+                  <a:tcPr>
+                    <a:lnL w="12700" cap="flat" cmpd="sng" algn="ctr">
+                      <a:solidFill>
+                        <a:schemeClr val="tx1"/>
+                      </a:solidFill>
+                      <a:prstDash val="solid"/>
+                      <a:round/>
+                      <a:headEnd type="none" w="med" len="med"/>
+                      <a:tailEnd type="none" w="med" len="med"/>
+                    </a:lnL>
+                    <a:lnR w="12700" cap="flat" cmpd="sng" algn="ctr">
+                      <a:solidFill>
+                        <a:schemeClr val="tx1"/>
+                      </a:solidFill>
+                      <a:prstDash val="solid"/>
+                      <a:round/>
+                      <a:headEnd type="none" w="med" len="med"/>
+                      <a:tailEnd type="none" w="med" len="med"/>
+                    </a:lnR>
+                    <a:lnT w="12700" cap="flat" cmpd="sng" algn="ctr">
+                      <a:solidFill>
+                        <a:schemeClr val="tx1"/>
+                      </a:solidFill>
+                      <a:prstDash val="solid"/>
+                      <a:round/>
+                      <a:headEnd type="none" w="med" len="med"/>
+                      <a:tailEnd type="none" w="med" len="med"/>
+                    </a:lnT>
+                    <a:lnB w="12700" cap="flat" cmpd="sng" algn="ctr">
+                      <a:solidFill>
+                        <a:schemeClr val="tx1"/>
+                      </a:solidFill>
+                      <a:prstDash val="solid"/>
+                      <a:round/>
+                      <a:headEnd type="none" w="med" len="med"/>
+                      <a:tailEnd type="none" w="med" len="med"/>
+                    </a:lnB>
+                  </a:tcPr>
+                </a:tc>
+              </a:tr>
+              <a:tr h="441969">
+                <a:tc>
+                  <a:txBody>
+                    <a:bodyPr/>
+                    <a:lstStyle/>
+                    <a:p>
+                      <a:r>
+                        <a:rPr lang="zh-CN" altLang="en-US" sz="1200" b="0" dirty="0" smtClean="0">
+                          <a:solidFill>
+                            <a:schemeClr val="tx1"/>
+                          </a:solidFill>
+                          <a:latin typeface="微软雅黑" panose="020B0503020204020204" pitchFamily="34" charset="-122"/>
+                          <a:ea typeface="微软雅黑" panose="020B0503020204020204" pitchFamily="34" charset="-122"/>
+                        </a:rPr>
+                        <a:t>表单</a:t>
+                      </a:r>
+                      <a:endParaRPr lang="zh-CN" altLang="en-US" sz="1200" b="0" dirty="0">
+                        <a:solidFill>
+                          <a:schemeClr val="tx1"/>
+                        </a:solidFill>
+                        <a:latin typeface="微软雅黑" panose="020B0503020204020204" pitchFamily="34" charset="-122"/>
+                        <a:ea typeface="微软雅黑" panose="020B0503020204020204" pitchFamily="34" charset="-122"/>
+                      </a:endParaRPr>
+                    </a:p>
+                  </a:txBody>
+                  <a:tcPr>
+                    <a:lnL w="12700" cap="flat" cmpd="sng" algn="ctr">
+                      <a:solidFill>
+                        <a:schemeClr val="tx1"/>
+                      </a:solidFill>
+                      <a:prstDash val="solid"/>
+                      <a:round/>
+                      <a:headEnd type="none" w="med" len="med"/>
+                      <a:tailEnd type="none" w="med" len="med"/>
+                    </a:lnL>
+                    <a:lnR w="12700" cap="flat" cmpd="sng" algn="ctr">
+                      <a:solidFill>
+                        <a:schemeClr val="tx1"/>
+                      </a:solidFill>
+                      <a:prstDash val="solid"/>
+                      <a:round/>
+                      <a:headEnd type="none" w="med" len="med"/>
+                      <a:tailEnd type="none" w="med" len="med"/>
+                    </a:lnR>
+                    <a:lnT w="12700" cap="flat" cmpd="sng" algn="ctr">
+                      <a:solidFill>
+                        <a:schemeClr val="tx1"/>
+                      </a:solidFill>
+                      <a:prstDash val="solid"/>
+                      <a:round/>
+                      <a:headEnd type="none" w="med" len="med"/>
+                      <a:tailEnd type="none" w="med" len="med"/>
+                    </a:lnT>
+                    <a:lnB w="12700" cap="flat" cmpd="sng" algn="ctr">
+                      <a:solidFill>
+                        <a:schemeClr val="tx1"/>
+                      </a:solidFill>
+                      <a:prstDash val="solid"/>
+                      <a:round/>
+                      <a:headEnd type="none" w="med" len="med"/>
+                      <a:tailEnd type="none" w="med" len="med"/>
+                    </a:lnB>
+                  </a:tcPr>
+                </a:tc>
+                <a:tc>
+                  <a:txBody>
+                    <a:bodyPr/>
+                    <a:lstStyle/>
+                    <a:p>
+                      <a:pPr marL="0" marR="0" lvl="0" indent="0" algn="l" defTabSz="1187798" rtl="0" eaLnBrk="1" fontAlgn="auto" latinLnBrk="0" hangingPunct="1">
+                        <a:lnSpc>
+                          <a:spcPct val="100000"/>
+                        </a:lnSpc>
+                        <a:spcBef>
+                          <a:spcPts val="0"/>
+                        </a:spcBef>
+                        <a:spcAft>
+                          <a:spcPts val="0"/>
+                        </a:spcAft>
+                        <a:buClrTx/>
+                        <a:buSzTx/>
+                        <a:buFontTx/>
+                        <a:buNone/>
+                        <a:tabLst/>
+                        <a:defRPr/>
+                      </a:pPr>
+                      <a:r>
+                        <a:rPr lang="zh-CN" altLang="en-US" sz="1200" b="0" dirty="0" smtClean="0">
+                          <a:solidFill>
+                            <a:schemeClr val="tx1"/>
+                          </a:solidFill>
+                          <a:latin typeface="微软雅黑" panose="020B0503020204020204" pitchFamily="34" charset="-122"/>
+                          <a:ea typeface="微软雅黑" panose="020B0503020204020204" pitchFamily="34" charset="-122"/>
+                        </a:rPr>
+                        <a:t>杨阳</a:t>
+                      </a:r>
+                      <a:endParaRPr lang="zh-CN" altLang="en-US" sz="1200" b="0" dirty="0" smtClean="0">
+                        <a:solidFill>
+                          <a:schemeClr val="tx1"/>
+                        </a:solidFill>
+                        <a:latin typeface="微软雅黑" panose="020B0503020204020204" pitchFamily="34" charset="-122"/>
+                        <a:ea typeface="微软雅黑" panose="020B0503020204020204" pitchFamily="34" charset="-122"/>
+                      </a:endParaRPr>
+                    </a:p>
+                  </a:txBody>
+                  <a:tcPr>
+                    <a:lnL w="12700" cap="flat" cmpd="sng" algn="ctr">
+                      <a:solidFill>
+                        <a:schemeClr val="tx1"/>
+                      </a:solidFill>
+                      <a:prstDash val="solid"/>
+                      <a:round/>
+                      <a:headEnd type="none" w="med" len="med"/>
+                      <a:tailEnd type="none" w="med" len="med"/>
+                    </a:lnL>
+                    <a:lnR w="12700" cap="flat" cmpd="sng" algn="ctr">
+                      <a:solidFill>
+                        <a:schemeClr val="tx1"/>
+                      </a:solidFill>
+                      <a:prstDash val="solid"/>
+                      <a:round/>
+                      <a:headEnd type="none" w="med" len="med"/>
+                      <a:tailEnd type="none" w="med" len="med"/>
+                    </a:lnR>
+                    <a:lnT w="12700" cap="flat" cmpd="sng" algn="ctr">
+                      <a:solidFill>
+                        <a:schemeClr val="tx1"/>
+                      </a:solidFill>
+                      <a:prstDash val="solid"/>
+                      <a:round/>
+                      <a:headEnd type="none" w="med" len="med"/>
+                      <a:tailEnd type="none" w="med" len="med"/>
+                    </a:lnT>
+                    <a:lnB w="12700" cap="flat" cmpd="sng" algn="ctr">
+                      <a:solidFill>
+                        <a:schemeClr val="tx1"/>
+                      </a:solidFill>
+                      <a:prstDash val="solid"/>
+                      <a:round/>
+                      <a:headEnd type="none" w="med" len="med"/>
+                      <a:tailEnd type="none" w="med" len="med"/>
+                    </a:lnB>
+                  </a:tcPr>
+                </a:tc>
+              </a:tr>
+            </a:tbl>
+          </a:graphicData>
+        </a:graphic>
+      </p:graphicFrame>
+      <p:sp>
+        <p:nvSpPr>
+          <p:cNvPr id="3" name="文本框 2"/>
+          <p:cNvSpPr txBox="1"/>
+          <p:nvPr/>
+        </p:nvSpPr>
+        <p:spPr>
+          <a:xfrm>
+            <a:off x="805378" y="668867"/>
+            <a:ext cx="8897425" cy="584775"/>
+          </a:xfrm>
+          <a:prstGeom prst="rect">
+            <a:avLst/>
+          </a:prstGeom>
+          <a:noFill/>
+        </p:spPr>
+        <p:txBody>
+          <a:bodyPr wrap="square" rtlCol="0">
+            <a:spAutoFit/>
+          </a:bodyPr>
+          <a:lstStyle/>
+          <a:p>
+            <a:pPr algn="l"/>
+            <a:r>
+              <a:rPr lang="zh-CN" altLang="en-US" sz="1600" dirty="0" smtClean="0">
+                <a:latin typeface="微软雅黑" panose="020B0503020204020204" pitchFamily="34" charset="-122"/>
+                <a:ea typeface="微软雅黑" panose="020B0503020204020204" pitchFamily="34" charset="-122"/>
+              </a:rPr>
+              <a:t>为了方便归一化组件的后期维护，每个组件的归一化和后期维护指定特定的责任人来维护。具体如下：</a:t>
+            </a:r>
+            <a:endParaRPr lang="zh-CN" altLang="en-US" sz="1600" dirty="0">
+              <a:latin typeface="微软雅黑" panose="020B0503020204020204" pitchFamily="34" charset="-122"/>
+              <a:ea typeface="微软雅黑" panose="020B0503020204020204" pitchFamily="34" charset="-122"/>
+            </a:endParaRPr>
+          </a:p>
+        </p:txBody>
+      </p:sp>
+    </p:spTree>
+    <p:extLst>
+      <p:ext uri="{BB962C8B-B14F-4D97-AF65-F5344CB8AC3E}">
+        <p14:creationId xmlns:p14="http://schemas.microsoft.com/office/powerpoint/2010/main" val="276894001"/>
+      </p:ext>
+    </p:extLst>
+  </p:cSld>
+  <p:clrMapOvr>
+    <a:masterClrMapping/>
+  </p:clrMapOvr>
+  <mc:AlternateContent xmlns:mc="http://schemas.openxmlformats.org/markup-compatibility/2006" xmlns:p14="http://schemas.microsoft.com/office/powerpoint/2010/main">
+    <mc:Choice Requires="p14">
+      <p:transition spd="med" p14:dur="700">
+        <p:fade/>
+      </p:transition>
+    </mc:Choice>
+    <mc:Fallback xmlns="">
+      <p:transition spd="med">
+        <p:fade/>
+      </p:transition>
+    </mc:Fallback>
+  </mc:AlternateContent>
+  <p:timing>
+    <p:tnLst>
+      <p:par>
+        <p:cTn id="1" dur="indefinite" restart="never" nodeType="tmRoot"/>
+      </p:par>
+    </p:tnLst>
+  </p:timing>
+</p:sld>
+</file>
+
+<file path=ppt/slides/slide8.xml><?xml version="1.0" encoding="utf-8"?>
+<p:sld xmlns:a="http://schemas.openxmlformats.org/drawingml/2006/main" xmlns:r="http://schemas.openxmlformats.org/officeDocument/2006/relationships" xmlns:p="http://schemas.openxmlformats.org/presentationml/2006/main">
+  <p:cSld>
+    <p:spTree>
+      <p:nvGrpSpPr>
+        <p:cNvPr id="1" name=""/>
+        <p:cNvGrpSpPr/>
+        <p:nvPr/>
+      </p:nvGrpSpPr>
+      <p:grpSpPr>
+        <a:xfrm>
+          <a:off x="0" y="0"/>
+          <a:ext cx="0" cy="0"/>
+          <a:chOff x="0" y="0"/>
+          <a:chExt cx="0" cy="0"/>
+        </a:xfrm>
+      </p:grpSpPr>
+      <p:sp>
+        <p:nvSpPr>
+          <p:cNvPr id="2" name="Subtitle 1">
+            <a:extLst>
+              <a:ext uri="{FF2B5EF4-FFF2-40B4-BE49-F238E27FC236}">
+                <a16:creationId xmlns:a16="http://schemas.microsoft.com/office/drawing/2014/main" xmlns="" id="{C6ADB1D9-336D-594D-9418-4BC486843D21}"/>
               </a:ext>
             </a:extLst>
           </p:cNvPr>
@@ -11254,7 +13325,7 @@
           <p:cNvPr id="8" name="TextBox 7">
             <a:extLst>
               <a:ext uri="{FF2B5EF4-FFF2-40B4-BE49-F238E27FC236}">
-                <a16:creationId xmlns="" xmlns:a16="http://schemas.microsoft.com/office/drawing/2014/main" id="{D8536F3D-D0C8-B447-A64B-59D377EA5296}"/>
+                <a16:creationId xmlns:a16="http://schemas.microsoft.com/office/drawing/2014/main" xmlns="" id="{D8536F3D-D0C8-B447-A64B-59D377EA5296}"/>
               </a:ext>
             </a:extLst>
           </p:cNvPr>
@@ -12973,7 +15044,7 @@
 </p:sld>
 </file>
 
-<file path=ppt/slides/slide8.xml><?xml version="1.0" encoding="utf-8"?>
+<file path=ppt/slides/slide9.xml><?xml version="1.0" encoding="utf-8"?>
 <p:sld xmlns:a="http://schemas.openxmlformats.org/drawingml/2006/main" xmlns:r="http://schemas.openxmlformats.org/officeDocument/2006/relationships" xmlns:p="http://schemas.openxmlformats.org/presentationml/2006/main">
   <p:cSld>
     <p:spTree>
